--- a/[FastCampus] 1주차_강의자료_김경원박사.pptx
+++ b/[FastCampus] 1주차_강의자료_김경원박사.pptx
@@ -5,10 +5,10 @@
     <p:sldMasterId id="2147483648" r:id="rId1"/>
   </p:sldMasterIdLst>
   <p:notesMasterIdLst>
-    <p:notesMasterId r:id="rId48"/>
+    <p:notesMasterId r:id="rId52"/>
   </p:notesMasterIdLst>
   <p:handoutMasterIdLst>
-    <p:handoutMasterId r:id="rId49"/>
+    <p:handoutMasterId r:id="rId53"/>
   </p:handoutMasterIdLst>
   <p:sldIdLst>
     <p:sldId id="1063" r:id="rId2"/>
@@ -17,54 +17,58 @@
     <p:sldId id="1109" r:id="rId5"/>
     <p:sldId id="1067" r:id="rId6"/>
     <p:sldId id="1103" r:id="rId7"/>
-    <p:sldId id="1104" r:id="rId8"/>
-    <p:sldId id="1105" r:id="rId9"/>
-    <p:sldId id="1106" r:id="rId10"/>
-    <p:sldId id="1107" r:id="rId11"/>
-    <p:sldId id="1108" r:id="rId12"/>
-    <p:sldId id="1110" r:id="rId13"/>
-    <p:sldId id="1111" r:id="rId14"/>
-    <p:sldId id="1112" r:id="rId15"/>
-    <p:sldId id="1113" r:id="rId16"/>
-    <p:sldId id="1114" r:id="rId17"/>
-    <p:sldId id="1115" r:id="rId18"/>
-    <p:sldId id="1116" r:id="rId19"/>
-    <p:sldId id="1117" r:id="rId20"/>
-    <p:sldId id="1118" r:id="rId21"/>
-    <p:sldId id="1135" r:id="rId22"/>
-    <p:sldId id="1136" r:id="rId23"/>
-    <p:sldId id="1119" r:id="rId24"/>
-    <p:sldId id="1125" r:id="rId25"/>
-    <p:sldId id="1120" r:id="rId26"/>
-    <p:sldId id="1121" r:id="rId27"/>
-    <p:sldId id="1122" r:id="rId28"/>
-    <p:sldId id="1123" r:id="rId29"/>
-    <p:sldId id="1130" r:id="rId30"/>
-    <p:sldId id="1124" r:id="rId31"/>
-    <p:sldId id="1126" r:id="rId32"/>
-    <p:sldId id="1127" r:id="rId33"/>
-    <p:sldId id="1128" r:id="rId34"/>
-    <p:sldId id="1129" r:id="rId35"/>
-    <p:sldId id="1131" r:id="rId36"/>
-    <p:sldId id="1133" r:id="rId37"/>
-    <p:sldId id="1137" r:id="rId38"/>
-    <p:sldId id="1138" r:id="rId39"/>
-    <p:sldId id="1139" r:id="rId40"/>
-    <p:sldId id="1140" r:id="rId41"/>
-    <p:sldId id="1141" r:id="rId42"/>
-    <p:sldId id="1142" r:id="rId43"/>
-    <p:sldId id="1143" r:id="rId44"/>
-    <p:sldId id="1144" r:id="rId45"/>
-    <p:sldId id="1134" r:id="rId46"/>
-    <p:sldId id="1062" r:id="rId47"/>
+    <p:sldId id="1145" r:id="rId8"/>
+    <p:sldId id="1104" r:id="rId9"/>
+    <p:sldId id="1105" r:id="rId10"/>
+    <p:sldId id="1106" r:id="rId11"/>
+    <p:sldId id="1107" r:id="rId12"/>
+    <p:sldId id="1108" r:id="rId13"/>
+    <p:sldId id="1110" r:id="rId14"/>
+    <p:sldId id="1111" r:id="rId15"/>
+    <p:sldId id="1112" r:id="rId16"/>
+    <p:sldId id="1113" r:id="rId17"/>
+    <p:sldId id="1114" r:id="rId18"/>
+    <p:sldId id="1115" r:id="rId19"/>
+    <p:sldId id="1116" r:id="rId20"/>
+    <p:sldId id="1117" r:id="rId21"/>
+    <p:sldId id="1118" r:id="rId22"/>
+    <p:sldId id="1135" r:id="rId23"/>
+    <p:sldId id="1136" r:id="rId24"/>
+    <p:sldId id="1119" r:id="rId25"/>
+    <p:sldId id="1125" r:id="rId26"/>
+    <p:sldId id="1120" r:id="rId27"/>
+    <p:sldId id="1121" r:id="rId28"/>
+    <p:sldId id="1122" r:id="rId29"/>
+    <p:sldId id="1123" r:id="rId30"/>
+    <p:sldId id="1130" r:id="rId31"/>
+    <p:sldId id="1124" r:id="rId32"/>
+    <p:sldId id="1126" r:id="rId33"/>
+    <p:sldId id="1127" r:id="rId34"/>
+    <p:sldId id="1128" r:id="rId35"/>
+    <p:sldId id="1129" r:id="rId36"/>
+    <p:sldId id="1146" r:id="rId37"/>
+    <p:sldId id="1147" r:id="rId38"/>
+    <p:sldId id="1148" r:id="rId39"/>
+    <p:sldId id="1131" r:id="rId40"/>
+    <p:sldId id="1133" r:id="rId41"/>
+    <p:sldId id="1137" r:id="rId42"/>
+    <p:sldId id="1138" r:id="rId43"/>
+    <p:sldId id="1139" r:id="rId44"/>
+    <p:sldId id="1140" r:id="rId45"/>
+    <p:sldId id="1141" r:id="rId46"/>
+    <p:sldId id="1142" r:id="rId47"/>
+    <p:sldId id="1143" r:id="rId48"/>
+    <p:sldId id="1144" r:id="rId49"/>
+    <p:sldId id="1134" r:id="rId50"/>
+    <p:sldId id="1062" r:id="rId51"/>
   </p:sldIdLst>
   <p:sldSz cx="12160250" cy="6840538"/>
   <p:notesSz cx="9874250" cy="6797675"/>
   <p:embeddedFontLst>
     <p:embeddedFont>
       <p:font typeface="맑은 고딕" panose="020B0503020000020004" pitchFamily="50" charset="-127"/>
-      <p:regular r:id="rId50"/>
-      <p:bold r:id="rId51"/>
+      <p:regular r:id="rId54"/>
+      <p:bold r:id="rId55"/>
     </p:embeddedFont>
   </p:embeddedFontLst>
   <p:defaultTextStyle>
@@ -277,7 +281,7 @@
           <a:p>
             <a:fld id="{FC718EE8-BF93-4A17-BED5-FC99EECA5FC7}" type="datetimeFigureOut">
               <a:rPr lang="ko-KR" altLang="en-US" smtClean="0"/>
-              <a:t>2020-01-04</a:t>
+              <a:t>2020-06-08</a:t>
             </a:fld>
             <a:endParaRPr lang="ko-KR" altLang="en-US"/>
           </a:p>
@@ -442,7 +446,7 @@
           <a:p>
             <a:fld id="{6101F873-BA02-446B-9127-C4DE4310B943}" type="datetimeFigureOut">
               <a:rPr lang="ko-KR" altLang="en-US" smtClean="0"/>
-              <a:t>2020-01-04</a:t>
+              <a:t>2020-06-08</a:t>
             </a:fld>
             <a:endParaRPr lang="ko-KR" altLang="en-US"/>
           </a:p>
@@ -858,7 +862,7 @@
           <a:p>
             <a:fld id="{C191BC67-C438-4515-9D3F-F10D40F1354A}" type="slidenum">
               <a:rPr lang="ko-KR" altLang="en-US" smtClean="0"/>
-              <a:t>43</a:t>
+              <a:t>47</a:t>
             </a:fld>
             <a:endParaRPr lang="ko-KR" altLang="en-US"/>
           </a:p>
@@ -942,7 +946,7 @@
           <a:p>
             <a:fld id="{C191BC67-C438-4515-9D3F-F10D40F1354A}" type="slidenum">
               <a:rPr lang="ko-KR" altLang="en-US" smtClean="0"/>
-              <a:t>44</a:t>
+              <a:t>48</a:t>
             </a:fld>
             <a:endParaRPr lang="ko-KR" altLang="en-US"/>
           </a:p>
@@ -1140,7 +1144,7 @@
           <a:p>
             <a:fld id="{89B5E594-86C5-4F1D-8812-38DF40064943}" type="datetime1">
               <a:rPr lang="ko-KR" altLang="en-US" smtClean="0"/>
-              <a:t>2020-01-04</a:t>
+              <a:t>2020-06-08</a:t>
             </a:fld>
             <a:endParaRPr lang="ko-KR" altLang="en-US"/>
           </a:p>
@@ -1348,7 +1352,7 @@
           <a:p>
             <a:fld id="{05C0B17C-522D-4CD8-8139-01EDEBAB2AF6}" type="datetime1">
               <a:rPr lang="ko-KR" altLang="en-US" smtClean="0"/>
-              <a:t>2020-01-04</a:t>
+              <a:t>2020-06-08</a:t>
             </a:fld>
             <a:endParaRPr lang="ko-KR" altLang="en-US"/>
           </a:p>
@@ -1526,7 +1530,7 @@
           <a:p>
             <a:fld id="{7345261C-38F3-40E7-AAA6-CE27B727AA65}" type="datetime1">
               <a:rPr lang="ko-KR" altLang="en-US" smtClean="0"/>
-              <a:t>2020-01-04</a:t>
+              <a:t>2020-06-08</a:t>
             </a:fld>
             <a:endParaRPr lang="ko-KR" altLang="en-US"/>
           </a:p>
@@ -1694,7 +1698,7 @@
           <a:p>
             <a:fld id="{A8472951-AD8C-47B8-8787-30E2F4BFA1EA}" type="datetime1">
               <a:rPr lang="ko-KR" altLang="en-US" smtClean="0"/>
-              <a:t>2020-01-04</a:t>
+              <a:t>2020-06-08</a:t>
             </a:fld>
             <a:endParaRPr lang="ko-KR" altLang="en-US"/>
           </a:p>
@@ -1949,7 +1953,7 @@
           <a:p>
             <a:fld id="{8BCB1BBF-13D1-46E6-8B8B-C9F26A0BAD91}" type="datetime1">
               <a:rPr lang="ko-KR" altLang="en-US" smtClean="0"/>
-              <a:t>2020-01-04</a:t>
+              <a:t>2020-06-08</a:t>
             </a:fld>
             <a:endParaRPr lang="ko-KR" altLang="en-US"/>
           </a:p>
@@ -2234,7 +2238,7 @@
           <a:p>
             <a:fld id="{B16FDC3D-FD6A-49DF-B101-11717D57279F}" type="datetime1">
               <a:rPr lang="ko-KR" altLang="en-US" smtClean="0"/>
-              <a:t>2020-01-04</a:t>
+              <a:t>2020-06-08</a:t>
             </a:fld>
             <a:endParaRPr lang="ko-KR" altLang="en-US"/>
           </a:p>
@@ -2653,7 +2657,7 @@
           <a:p>
             <a:fld id="{42D411A2-FD90-4A19-98A8-25197A66BC26}" type="datetime1">
               <a:rPr lang="ko-KR" altLang="en-US" smtClean="0"/>
-              <a:t>2020-01-04</a:t>
+              <a:t>2020-06-08</a:t>
             </a:fld>
             <a:endParaRPr lang="ko-KR" altLang="en-US"/>
           </a:p>
@@ -2770,7 +2774,7 @@
           <a:p>
             <a:fld id="{F6E6B532-6471-449A-9A2F-4428556C2F98}" type="datetime1">
               <a:rPr lang="ko-KR" altLang="en-US" smtClean="0"/>
-              <a:t>2020-01-04</a:t>
+              <a:t>2020-06-08</a:t>
             </a:fld>
             <a:endParaRPr lang="ko-KR" altLang="en-US"/>
           </a:p>
@@ -2865,7 +2869,7 @@
           <a:p>
             <a:fld id="{45A9E13B-856D-4562-A86D-A2B6F7BF810F}" type="datetime1">
               <a:rPr lang="ko-KR" altLang="en-US" smtClean="0"/>
-              <a:t>2020-01-04</a:t>
+              <a:t>2020-06-08</a:t>
             </a:fld>
             <a:endParaRPr lang="ko-KR" altLang="en-US"/>
           </a:p>
@@ -3140,7 +3144,7 @@
           <a:p>
             <a:fld id="{A672FB3A-7E9E-4380-9381-6FCA87FBB41A}" type="datetime1">
               <a:rPr lang="ko-KR" altLang="en-US" smtClean="0"/>
-              <a:t>2020-01-04</a:t>
+              <a:t>2020-06-08</a:t>
             </a:fld>
             <a:endParaRPr lang="ko-KR" altLang="en-US"/>
           </a:p>
@@ -3392,7 +3396,7 @@
           <a:p>
             <a:fld id="{3948CCBA-1514-4E9E-888A-807450F810B0}" type="datetime1">
               <a:rPr lang="ko-KR" altLang="en-US" smtClean="0"/>
-              <a:t>2020-01-04</a:t>
+              <a:t>2020-06-08</a:t>
             </a:fld>
             <a:endParaRPr lang="ko-KR" altLang="en-US"/>
           </a:p>
@@ -3605,7 +3609,7 @@
           <a:p>
             <a:fld id="{170EDEE7-370E-499F-B978-ABF387098974}" type="datetime1">
               <a:rPr lang="ko-KR" altLang="en-US" smtClean="0"/>
-              <a:t>2020-01-04</a:t>
+              <a:t>2020-06-08</a:t>
             </a:fld>
             <a:endParaRPr lang="ko-KR" altLang="en-US" dirty="0"/>
           </a:p>
@@ -4278,7 +4282,7 @@
           <p:cNvPr id="2" name="그림 1">
             <a:extLst>
               <a:ext uri="{FF2B5EF4-FFF2-40B4-BE49-F238E27FC236}">
-                <a16:creationId xmlns:a16="http://schemas.microsoft.com/office/drawing/2014/main" id="{558DD6D7-4517-4805-BA0B-44794AADBE77}"/>
+                <a16:creationId xmlns:a16="http://schemas.microsoft.com/office/drawing/2014/main" id="{2B2210F4-E9A0-435C-9256-EBC02BAFC7F9}"/>
               </a:ext>
             </a:extLst>
           </p:cNvPr>
@@ -4295,8 +4299,8 @@
         </p:blipFill>
         <p:spPr>
           <a:xfrm>
-            <a:off x="1150937" y="1437014"/>
-            <a:ext cx="9858375" cy="5400675"/>
+            <a:off x="1117600" y="1692077"/>
+            <a:ext cx="9925050" cy="4724400"/>
           </a:xfrm>
           <a:prstGeom prst="rect">
             <a:avLst/>
@@ -4306,7 +4310,7 @@
     </p:spTree>
     <p:extLst>
       <p:ext uri="{BB962C8B-B14F-4D97-AF65-F5344CB8AC3E}">
-        <p14:creationId xmlns:p14="http://schemas.microsoft.com/office/powerpoint/2010/main" val="1328253218"/>
+        <p14:creationId xmlns:p14="http://schemas.microsoft.com/office/powerpoint/2010/main" val="3407741111"/>
       </p:ext>
     </p:extLst>
   </p:cSld>
@@ -4367,11 +4371,11 @@
                 <a:latin typeface="Noto Sans CJK KR Black" pitchFamily="34" charset="-127"/>
                 <a:ea typeface="Noto Sans CJK KR Black" pitchFamily="34" charset="-127"/>
               </a:rPr>
-              <a:t>2. </a:t>
+              <a:t>1. </a:t>
             </a:r>
             <a:r>
               <a:rPr lang="ko-KR" altLang="en-US" sz="4400" dirty="0"/>
-              <a:t>분석을 이해하고 공감하는 자세 및 방향</a:t>
+              <a:t>데이터 분석의 단계별 목적 이해하기 </a:t>
             </a:r>
             <a:endParaRPr lang="ko-KR" altLang="en-US" sz="4400" dirty="0">
               <a:solidFill>
@@ -4410,10 +4414,10 @@
       </p:sp>
       <p:pic>
         <p:nvPicPr>
-          <p:cNvPr id="4" name="그림 3">
+          <p:cNvPr id="2" name="그림 1">
             <a:extLst>
               <a:ext uri="{FF2B5EF4-FFF2-40B4-BE49-F238E27FC236}">
-                <a16:creationId xmlns:a16="http://schemas.microsoft.com/office/drawing/2014/main" id="{B7755163-7D29-4683-AA1F-663DF282BC89}"/>
+                <a16:creationId xmlns:a16="http://schemas.microsoft.com/office/drawing/2014/main" id="{558DD6D7-4517-4805-BA0B-44794AADBE77}"/>
               </a:ext>
             </a:extLst>
           </p:cNvPr>
@@ -4430,8 +4434,8 @@
         </p:blipFill>
         <p:spPr>
           <a:xfrm>
-            <a:off x="1046162" y="2686844"/>
-            <a:ext cx="10067925" cy="1466850"/>
+            <a:off x="1150937" y="1437014"/>
+            <a:ext cx="9858375" cy="5400675"/>
           </a:xfrm>
           <a:prstGeom prst="rect">
             <a:avLst/>
@@ -4441,7 +4445,7 @@
     </p:spTree>
     <p:extLst>
       <p:ext uri="{BB962C8B-B14F-4D97-AF65-F5344CB8AC3E}">
-        <p14:creationId xmlns:p14="http://schemas.microsoft.com/office/powerpoint/2010/main" val="968907829"/>
+        <p14:creationId xmlns:p14="http://schemas.microsoft.com/office/powerpoint/2010/main" val="1328253218"/>
       </p:ext>
     </p:extLst>
   </p:cSld>
@@ -4545,10 +4549,10 @@
       </p:sp>
       <p:pic>
         <p:nvPicPr>
-          <p:cNvPr id="2" name="그림 1">
+          <p:cNvPr id="4" name="그림 3">
             <a:extLst>
               <a:ext uri="{FF2B5EF4-FFF2-40B4-BE49-F238E27FC236}">
-                <a16:creationId xmlns:a16="http://schemas.microsoft.com/office/drawing/2014/main" id="{A6AE94C3-0310-43CA-85B5-F1226475B3B0}"/>
+                <a16:creationId xmlns:a16="http://schemas.microsoft.com/office/drawing/2014/main" id="{B7755163-7D29-4683-AA1F-663DF282BC89}"/>
               </a:ext>
             </a:extLst>
           </p:cNvPr>
@@ -4565,8 +4569,8 @@
         </p:blipFill>
         <p:spPr>
           <a:xfrm>
-            <a:off x="1784350" y="1979700"/>
-            <a:ext cx="8591550" cy="4105275"/>
+            <a:off x="1046162" y="2686844"/>
+            <a:ext cx="10067925" cy="1466850"/>
           </a:xfrm>
           <a:prstGeom prst="rect">
             <a:avLst/>
@@ -4576,7 +4580,7 @@
     </p:spTree>
     <p:extLst>
       <p:ext uri="{BB962C8B-B14F-4D97-AF65-F5344CB8AC3E}">
-        <p14:creationId xmlns:p14="http://schemas.microsoft.com/office/powerpoint/2010/main" val="2155180293"/>
+        <p14:creationId xmlns:p14="http://schemas.microsoft.com/office/powerpoint/2010/main" val="968907829"/>
       </p:ext>
     </p:extLst>
   </p:cSld>
@@ -4683,7 +4687,7 @@
           <p:cNvPr id="2" name="그림 1">
             <a:extLst>
               <a:ext uri="{FF2B5EF4-FFF2-40B4-BE49-F238E27FC236}">
-                <a16:creationId xmlns:a16="http://schemas.microsoft.com/office/drawing/2014/main" id="{60153B70-375C-4D3E-AF39-B9AA5D52C242}"/>
+                <a16:creationId xmlns:a16="http://schemas.microsoft.com/office/drawing/2014/main" id="{A6AE94C3-0310-43CA-85B5-F1226475B3B0}"/>
               </a:ext>
             </a:extLst>
           </p:cNvPr>
@@ -4700,8 +4704,8 @@
         </p:blipFill>
         <p:spPr>
           <a:xfrm>
-            <a:off x="1670050" y="2534444"/>
-            <a:ext cx="8820150" cy="1771650"/>
+            <a:off x="1784350" y="1979700"/>
+            <a:ext cx="8591550" cy="4105275"/>
           </a:xfrm>
           <a:prstGeom prst="rect">
             <a:avLst/>
@@ -4711,7 +4715,7 @@
     </p:spTree>
     <p:extLst>
       <p:ext uri="{BB962C8B-B14F-4D97-AF65-F5344CB8AC3E}">
-        <p14:creationId xmlns:p14="http://schemas.microsoft.com/office/powerpoint/2010/main" val="1301960504"/>
+        <p14:creationId xmlns:p14="http://schemas.microsoft.com/office/powerpoint/2010/main" val="2155180293"/>
       </p:ext>
     </p:extLst>
   </p:cSld>
@@ -4740,30 +4744,6 @@
       </p:grpSpPr>
       <p:sp>
         <p:nvSpPr>
-          <p:cNvPr id="3" name="슬라이드 번호 개체 틀 2"/>
-          <p:cNvSpPr>
-            <a:spLocks noGrp="1"/>
-          </p:cNvSpPr>
-          <p:nvPr>
-            <p:ph type="sldNum" sz="quarter" idx="12"/>
-          </p:nvPr>
-        </p:nvSpPr>
-        <p:spPr/>
-        <p:txBody>
-          <a:bodyPr/>
-          <a:lstStyle/>
-          <a:p>
-            <a:fld id="{6DDAE2C3-1A0B-474A-8CE8-AE55B8D9D4B1}" type="slidenum">
-              <a:rPr lang="ko-KR" altLang="en-US" smtClean="0"/>
-              <a:pPr/>
-              <a:t>14</a:t>
-            </a:fld>
-            <a:endParaRPr lang="ko-KR" altLang="en-US" dirty="0"/>
-          </a:p>
-        </p:txBody>
-      </p:sp>
-      <p:sp>
-        <p:nvSpPr>
           <p:cNvPr id="5" name="제목 4"/>
           <p:cNvSpPr>
             <a:spLocks noGrp="1"/>
@@ -4775,7 +4755,7 @@
         <p:spPr>
           <a:xfrm>
             <a:off x="608016" y="551987"/>
-            <a:ext cx="10944225" cy="2868282"/>
+            <a:ext cx="10944225" cy="1140090"/>
           </a:xfrm>
         </p:spPr>
         <p:txBody>
@@ -4800,28 +4780,7 @@
             </a:r>
             <a:r>
               <a:rPr lang="ko-KR" altLang="en-US" sz="4400" dirty="0"/>
-              <a:t>분석을 </a:t>
-            </a:r>
-            <a:br>
-              <a:rPr lang="en-US" altLang="ko-KR" sz="4400" dirty="0"/>
-            </a:br>
-            <a:r>
-              <a:rPr lang="ko-KR" altLang="en-US" sz="4400" dirty="0"/>
-              <a:t>이해하고 </a:t>
-            </a:r>
-            <a:br>
-              <a:rPr lang="en-US" altLang="ko-KR" sz="4400" dirty="0"/>
-            </a:br>
-            <a:r>
-              <a:rPr lang="ko-KR" altLang="en-US" sz="4400" dirty="0"/>
-              <a:t>공감하는 </a:t>
-            </a:r>
-            <a:br>
-              <a:rPr lang="en-US" altLang="ko-KR" sz="4400" dirty="0"/>
-            </a:br>
-            <a:r>
-              <a:rPr lang="ko-KR" altLang="en-US" sz="4400" dirty="0"/>
-              <a:t>자세 및 방향</a:t>
+              <a:t>분석을 이해하고 공감하는 자세 및 방향</a:t>
             </a:r>
             <a:endParaRPr lang="ko-KR" altLang="en-US" sz="4400" dirty="0">
               <a:solidFill>
@@ -4834,12 +4793,36 @@
           </a:p>
         </p:txBody>
       </p:sp>
+      <p:sp>
+        <p:nvSpPr>
+          <p:cNvPr id="3" name="슬라이드 번호 개체 틀 2"/>
+          <p:cNvSpPr>
+            <a:spLocks noGrp="1"/>
+          </p:cNvSpPr>
+          <p:nvPr>
+            <p:ph type="sldNum" sz="quarter" idx="12"/>
+          </p:nvPr>
+        </p:nvSpPr>
+        <p:spPr/>
+        <p:txBody>
+          <a:bodyPr/>
+          <a:lstStyle/>
+          <a:p>
+            <a:fld id="{6DDAE2C3-1A0B-474A-8CE8-AE55B8D9D4B1}" type="slidenum">
+              <a:rPr lang="ko-KR" altLang="en-US" smtClean="0"/>
+              <a:pPr/>
+              <a:t>14</a:t>
+            </a:fld>
+            <a:endParaRPr lang="ko-KR" altLang="en-US" dirty="0"/>
+          </a:p>
+        </p:txBody>
+      </p:sp>
       <p:pic>
         <p:nvPicPr>
-          <p:cNvPr id="4" name="그림 3">
+          <p:cNvPr id="2" name="그림 1">
             <a:extLst>
               <a:ext uri="{FF2B5EF4-FFF2-40B4-BE49-F238E27FC236}">
-                <a16:creationId xmlns:a16="http://schemas.microsoft.com/office/drawing/2014/main" id="{5A6DC1B4-EADB-465C-9196-90DF96FAD0FF}"/>
+                <a16:creationId xmlns:a16="http://schemas.microsoft.com/office/drawing/2014/main" id="{60153B70-375C-4D3E-AF39-B9AA5D52C242}"/>
               </a:ext>
             </a:extLst>
           </p:cNvPr>
@@ -4856,8 +4839,8 @@
         </p:blipFill>
         <p:spPr>
           <a:xfrm>
-            <a:off x="4292346" y="398248"/>
-            <a:ext cx="7705725" cy="5962650"/>
+            <a:off x="1670050" y="2534444"/>
+            <a:ext cx="8820150" cy="1771650"/>
           </a:xfrm>
           <a:prstGeom prst="rect">
             <a:avLst/>
@@ -4867,7 +4850,7 @@
     </p:spTree>
     <p:extLst>
       <p:ext uri="{BB962C8B-B14F-4D97-AF65-F5344CB8AC3E}">
-        <p14:creationId xmlns:p14="http://schemas.microsoft.com/office/powerpoint/2010/main" val="3327415335"/>
+        <p14:creationId xmlns:p14="http://schemas.microsoft.com/office/powerpoint/2010/main" val="1301960504"/>
       </p:ext>
     </p:extLst>
   </p:cSld>
@@ -4896,6 +4879,30 @@
       </p:grpSpPr>
       <p:sp>
         <p:nvSpPr>
+          <p:cNvPr id="3" name="슬라이드 번호 개체 틀 2"/>
+          <p:cNvSpPr>
+            <a:spLocks noGrp="1"/>
+          </p:cNvSpPr>
+          <p:nvPr>
+            <p:ph type="sldNum" sz="quarter" idx="12"/>
+          </p:nvPr>
+        </p:nvSpPr>
+        <p:spPr/>
+        <p:txBody>
+          <a:bodyPr/>
+          <a:lstStyle/>
+          <a:p>
+            <a:fld id="{6DDAE2C3-1A0B-474A-8CE8-AE55B8D9D4B1}" type="slidenum">
+              <a:rPr lang="ko-KR" altLang="en-US" smtClean="0"/>
+              <a:pPr/>
+              <a:t>15</a:t>
+            </a:fld>
+            <a:endParaRPr lang="ko-KR" altLang="en-US" dirty="0"/>
+          </a:p>
+        </p:txBody>
+      </p:sp>
+      <p:sp>
+        <p:nvSpPr>
           <p:cNvPr id="5" name="제목 4"/>
           <p:cNvSpPr>
             <a:spLocks noGrp="1"/>
@@ -4907,7 +4914,7 @@
         <p:spPr>
           <a:xfrm>
             <a:off x="608016" y="551987"/>
-            <a:ext cx="10944225" cy="1140090"/>
+            <a:ext cx="10944225" cy="2868282"/>
           </a:xfrm>
         </p:spPr>
         <p:txBody>
@@ -4932,7 +4939,28 @@
             </a:r>
             <a:r>
               <a:rPr lang="ko-KR" altLang="en-US" sz="4400" dirty="0"/>
-              <a:t>분석을 이해하고 공감하는 자세 및 방향</a:t>
+              <a:t>분석을 </a:t>
+            </a:r>
+            <a:br>
+              <a:rPr lang="en-US" altLang="ko-KR" sz="4400" dirty="0"/>
+            </a:br>
+            <a:r>
+              <a:rPr lang="ko-KR" altLang="en-US" sz="4400" dirty="0"/>
+              <a:t>이해하고 </a:t>
+            </a:r>
+            <a:br>
+              <a:rPr lang="en-US" altLang="ko-KR" sz="4400" dirty="0"/>
+            </a:br>
+            <a:r>
+              <a:rPr lang="ko-KR" altLang="en-US" sz="4400" dirty="0"/>
+              <a:t>공감하는 </a:t>
+            </a:r>
+            <a:br>
+              <a:rPr lang="en-US" altLang="ko-KR" sz="4400" dirty="0"/>
+            </a:br>
+            <a:r>
+              <a:rPr lang="ko-KR" altLang="en-US" sz="4400" dirty="0"/>
+              <a:t>자세 및 방향</a:t>
             </a:r>
             <a:endParaRPr lang="ko-KR" altLang="en-US" sz="4400" dirty="0">
               <a:solidFill>
@@ -4945,36 +4973,12 @@
           </a:p>
         </p:txBody>
       </p:sp>
-      <p:sp>
-        <p:nvSpPr>
-          <p:cNvPr id="3" name="슬라이드 번호 개체 틀 2"/>
-          <p:cNvSpPr>
-            <a:spLocks noGrp="1"/>
-          </p:cNvSpPr>
-          <p:nvPr>
-            <p:ph type="sldNum" sz="quarter" idx="12"/>
-          </p:nvPr>
-        </p:nvSpPr>
-        <p:spPr/>
-        <p:txBody>
-          <a:bodyPr/>
-          <a:lstStyle/>
-          <a:p>
-            <a:fld id="{6DDAE2C3-1A0B-474A-8CE8-AE55B8D9D4B1}" type="slidenum">
-              <a:rPr lang="ko-KR" altLang="en-US" smtClean="0"/>
-              <a:pPr/>
-              <a:t>15</a:t>
-            </a:fld>
-            <a:endParaRPr lang="ko-KR" altLang="en-US" dirty="0"/>
-          </a:p>
-        </p:txBody>
-      </p:sp>
       <p:pic>
         <p:nvPicPr>
-          <p:cNvPr id="2" name="그림 1">
+          <p:cNvPr id="4" name="그림 3">
             <a:extLst>
               <a:ext uri="{FF2B5EF4-FFF2-40B4-BE49-F238E27FC236}">
-                <a16:creationId xmlns:a16="http://schemas.microsoft.com/office/drawing/2014/main" id="{7FAEDE48-FFDA-4B6F-AB66-72988A8FCA4E}"/>
+                <a16:creationId xmlns:a16="http://schemas.microsoft.com/office/drawing/2014/main" id="{5A6DC1B4-EADB-465C-9196-90DF96FAD0FF}"/>
               </a:ext>
             </a:extLst>
           </p:cNvPr>
@@ -4991,8 +4995,8 @@
         </p:blipFill>
         <p:spPr>
           <a:xfrm>
-            <a:off x="1431925" y="1420813"/>
-            <a:ext cx="9296400" cy="5419725"/>
+            <a:off x="4292346" y="398248"/>
+            <a:ext cx="7705725" cy="5962650"/>
           </a:xfrm>
           <a:prstGeom prst="rect">
             <a:avLst/>
@@ -5002,7 +5006,7 @@
     </p:spTree>
     <p:extLst>
       <p:ext uri="{BB962C8B-B14F-4D97-AF65-F5344CB8AC3E}">
-        <p14:creationId xmlns:p14="http://schemas.microsoft.com/office/powerpoint/2010/main" val="3592905996"/>
+        <p14:creationId xmlns:p14="http://schemas.microsoft.com/office/powerpoint/2010/main" val="3327415335"/>
       </p:ext>
     </p:extLst>
   </p:cSld>
@@ -5063,19 +5067,11 @@
                 <a:latin typeface="Noto Sans CJK KR Black" pitchFamily="34" charset="-127"/>
                 <a:ea typeface="Noto Sans CJK KR Black" pitchFamily="34" charset="-127"/>
               </a:rPr>
-              <a:t>3. </a:t>
+              <a:t>2. </a:t>
             </a:r>
             <a:r>
               <a:rPr lang="ko-KR" altLang="en-US" sz="4400" dirty="0"/>
-              <a:t>분석 단계별 의사결정을 위한 수학</a:t>
-            </a:r>
-            <a:r>
-              <a:rPr lang="en-US" altLang="ko-KR" sz="4400" dirty="0"/>
-              <a:t>/</a:t>
-            </a:r>
-            <a:r>
-              <a:rPr lang="ko-KR" altLang="en-US" sz="4400" dirty="0"/>
-              <a:t>통계적 언어를 이해하기</a:t>
+              <a:t>분석을 이해하고 공감하는 자세 및 방향</a:t>
             </a:r>
             <a:endParaRPr lang="ko-KR" altLang="en-US" sz="4400" dirty="0">
               <a:solidFill>
@@ -5117,7 +5113,7 @@
           <p:cNvPr id="2" name="그림 1">
             <a:extLst>
               <a:ext uri="{FF2B5EF4-FFF2-40B4-BE49-F238E27FC236}">
-                <a16:creationId xmlns:a16="http://schemas.microsoft.com/office/drawing/2014/main" id="{51CE05F9-4E6E-4733-AF7E-0ED7E7ECA4A6}"/>
+                <a16:creationId xmlns:a16="http://schemas.microsoft.com/office/drawing/2014/main" id="{7FAEDE48-FFDA-4B6F-AB66-72988A8FCA4E}"/>
               </a:ext>
             </a:extLst>
           </p:cNvPr>
@@ -5134,8 +5130,8 @@
         </p:blipFill>
         <p:spPr>
           <a:xfrm>
-            <a:off x="1017587" y="1692077"/>
-            <a:ext cx="10125075" cy="5124450"/>
+            <a:off x="1431925" y="1420813"/>
+            <a:ext cx="9296400" cy="5419725"/>
           </a:xfrm>
           <a:prstGeom prst="rect">
             <a:avLst/>
@@ -5145,7 +5141,7 @@
     </p:spTree>
     <p:extLst>
       <p:ext uri="{BB962C8B-B14F-4D97-AF65-F5344CB8AC3E}">
-        <p14:creationId xmlns:p14="http://schemas.microsoft.com/office/powerpoint/2010/main" val="1078181777"/>
+        <p14:creationId xmlns:p14="http://schemas.microsoft.com/office/powerpoint/2010/main" val="3592905996"/>
       </p:ext>
     </p:extLst>
   </p:cSld>
@@ -5260,7 +5256,7 @@
           <p:cNvPr id="2" name="그림 1">
             <a:extLst>
               <a:ext uri="{FF2B5EF4-FFF2-40B4-BE49-F238E27FC236}">
-                <a16:creationId xmlns:a16="http://schemas.microsoft.com/office/drawing/2014/main" id="{1027A231-C494-4B02-A125-482308E5E178}"/>
+                <a16:creationId xmlns:a16="http://schemas.microsoft.com/office/drawing/2014/main" id="{51CE05F9-4E6E-4733-AF7E-0ED7E7ECA4A6}"/>
               </a:ext>
             </a:extLst>
           </p:cNvPr>
@@ -5277,8 +5273,8 @@
         </p:blipFill>
         <p:spPr>
           <a:xfrm>
-            <a:off x="1798637" y="2436900"/>
-            <a:ext cx="8562975" cy="3190875"/>
+            <a:off x="1017587" y="1692077"/>
+            <a:ext cx="10125075" cy="5124450"/>
           </a:xfrm>
           <a:prstGeom prst="rect">
             <a:avLst/>
@@ -5288,7 +5284,7 @@
     </p:spTree>
     <p:extLst>
       <p:ext uri="{BB962C8B-B14F-4D97-AF65-F5344CB8AC3E}">
-        <p14:creationId xmlns:p14="http://schemas.microsoft.com/office/powerpoint/2010/main" val="2370570738"/>
+        <p14:creationId xmlns:p14="http://schemas.microsoft.com/office/powerpoint/2010/main" val="1078181777"/>
       </p:ext>
     </p:extLst>
   </p:cSld>
@@ -5400,10 +5396,10 @@
       </p:sp>
       <p:pic>
         <p:nvPicPr>
-          <p:cNvPr id="4" name="그림 3">
+          <p:cNvPr id="2" name="그림 1">
             <a:extLst>
               <a:ext uri="{FF2B5EF4-FFF2-40B4-BE49-F238E27FC236}">
-                <a16:creationId xmlns:a16="http://schemas.microsoft.com/office/drawing/2014/main" id="{3D1D3AC6-7B8B-42D6-A17C-DE0FDFAB23A9}"/>
+                <a16:creationId xmlns:a16="http://schemas.microsoft.com/office/drawing/2014/main" id="{1027A231-C494-4B02-A125-482308E5E178}"/>
               </a:ext>
             </a:extLst>
           </p:cNvPr>
@@ -5420,8 +5416,8 @@
         </p:blipFill>
         <p:spPr>
           <a:xfrm>
-            <a:off x="2984500" y="2125570"/>
-            <a:ext cx="6191250" cy="4429125"/>
+            <a:off x="1798637" y="2436900"/>
+            <a:ext cx="8562975" cy="3190875"/>
           </a:xfrm>
           <a:prstGeom prst="rect">
             <a:avLst/>
@@ -5431,7 +5427,7 @@
     </p:spTree>
     <p:extLst>
       <p:ext uri="{BB962C8B-B14F-4D97-AF65-F5344CB8AC3E}">
-        <p14:creationId xmlns:p14="http://schemas.microsoft.com/office/powerpoint/2010/main" val="2758139737"/>
+        <p14:creationId xmlns:p14="http://schemas.microsoft.com/office/powerpoint/2010/main" val="2370570738"/>
       </p:ext>
     </p:extLst>
   </p:cSld>
@@ -5546,7 +5542,7 @@
           <p:cNvPr id="4" name="그림 3">
             <a:extLst>
               <a:ext uri="{FF2B5EF4-FFF2-40B4-BE49-F238E27FC236}">
-                <a16:creationId xmlns:a16="http://schemas.microsoft.com/office/drawing/2014/main" id="{EEB19D04-4ADF-449F-BE3D-C433C75CE039}"/>
+                <a16:creationId xmlns:a16="http://schemas.microsoft.com/office/drawing/2014/main" id="{3D1D3AC6-7B8B-42D6-A17C-DE0FDFAB23A9}"/>
               </a:ext>
             </a:extLst>
           </p:cNvPr>
@@ -5563,8 +5559,8 @@
         </p:blipFill>
         <p:spPr>
           <a:xfrm>
-            <a:off x="2574925" y="2106520"/>
-            <a:ext cx="7010400" cy="4448175"/>
+            <a:off x="2984500" y="2125570"/>
+            <a:ext cx="6191250" cy="4429125"/>
           </a:xfrm>
           <a:prstGeom prst="rect">
             <a:avLst/>
@@ -5574,7 +5570,7 @@
     </p:spTree>
     <p:extLst>
       <p:ext uri="{BB962C8B-B14F-4D97-AF65-F5344CB8AC3E}">
-        <p14:creationId xmlns:p14="http://schemas.microsoft.com/office/powerpoint/2010/main" val="3102918696"/>
+        <p14:creationId xmlns:p14="http://schemas.microsoft.com/office/powerpoint/2010/main" val="2758139737"/>
       </p:ext>
     </p:extLst>
   </p:cSld>
@@ -5763,10 +5759,10 @@
       </p:sp>
       <p:pic>
         <p:nvPicPr>
-          <p:cNvPr id="6" name="그림 5">
+          <p:cNvPr id="2" name="그림 1">
             <a:extLst>
               <a:ext uri="{FF2B5EF4-FFF2-40B4-BE49-F238E27FC236}">
-                <a16:creationId xmlns:a16="http://schemas.microsoft.com/office/drawing/2014/main" id="{DB5EDEC6-8B0A-462F-8B63-AB96D03FE054}"/>
+                <a16:creationId xmlns:a16="http://schemas.microsoft.com/office/drawing/2014/main" id="{7B09A85A-3397-4D14-BD5F-60F9B5A39417}"/>
               </a:ext>
             </a:extLst>
           </p:cNvPr>
@@ -5776,64 +5772,21 @@
           <p:nvPr/>
         </p:nvPicPr>
         <p:blipFill>
-          <a:blip r:embed="rId3">
-            <a:extLst>
-              <a:ext uri="{28A0092B-C50C-407E-A947-70E740481C1C}">
-                <a14:useLocalDpi xmlns:a14="http://schemas.microsoft.com/office/drawing/2010/main" val="0"/>
-              </a:ext>
-            </a:extLst>
-          </a:blip>
+          <a:blip r:embed="rId3"/>
           <a:stretch>
             <a:fillRect/>
           </a:stretch>
         </p:blipFill>
         <p:spPr>
           <a:xfrm>
-            <a:off x="4604447" y="5246"/>
-            <a:ext cx="7555803" cy="6840538"/>
+            <a:off x="3948114" y="1492597"/>
+            <a:ext cx="7696200" cy="4143375"/>
           </a:xfrm>
           <a:prstGeom prst="rect">
             <a:avLst/>
           </a:prstGeom>
         </p:spPr>
       </p:pic>
-      <p:sp>
-        <p:nvSpPr>
-          <p:cNvPr id="7" name="TextBox 6">
-            <a:extLst>
-              <a:ext uri="{FF2B5EF4-FFF2-40B4-BE49-F238E27FC236}">
-                <a16:creationId xmlns:a16="http://schemas.microsoft.com/office/drawing/2014/main" id="{7E9410BA-D4C7-4917-A0C0-356C06304EF3}"/>
-              </a:ext>
-            </a:extLst>
-          </p:cNvPr>
-          <p:cNvSpPr txBox="1"/>
-          <p:nvPr/>
-        </p:nvSpPr>
-        <p:spPr>
-          <a:xfrm>
-            <a:off x="4604447" y="828683"/>
-            <a:ext cx="3635918" cy="4823834"/>
-          </a:xfrm>
-          <a:prstGeom prst="rect">
-            <a:avLst/>
-          </a:prstGeom>
-          <a:noFill/>
-          <a:ln w="38100">
-            <a:solidFill>
-              <a:srgbClr val="FF0000"/>
-            </a:solidFill>
-          </a:ln>
-        </p:spPr>
-        <p:txBody>
-          <a:bodyPr wrap="square" rtlCol="0">
-            <a:spAutoFit/>
-          </a:bodyPr>
-          <a:lstStyle/>
-          <a:p>
-            <a:endParaRPr lang="ko-KR" altLang="en-US" dirty="0"/>
-          </a:p>
-        </p:txBody>
-      </p:sp>
     </p:spTree>
     <p:extLst>
       <p:ext uri="{BB962C8B-B14F-4D97-AF65-F5344CB8AC3E}">
@@ -5952,7 +5905,7 @@
           <p:cNvPr id="4" name="그림 3">
             <a:extLst>
               <a:ext uri="{FF2B5EF4-FFF2-40B4-BE49-F238E27FC236}">
-                <a16:creationId xmlns:a16="http://schemas.microsoft.com/office/drawing/2014/main" id="{2135FAD3-ED65-428C-B0CE-5EC88F345A2B}"/>
+                <a16:creationId xmlns:a16="http://schemas.microsoft.com/office/drawing/2014/main" id="{EEB19D04-4ADF-449F-BE3D-C433C75CE039}"/>
               </a:ext>
             </a:extLst>
           </p:cNvPr>
@@ -5969,8 +5922,8 @@
         </p:blipFill>
         <p:spPr>
           <a:xfrm>
-            <a:off x="2074862" y="1996422"/>
-            <a:ext cx="8010525" cy="4591050"/>
+            <a:off x="2574925" y="2106520"/>
+            <a:ext cx="7010400" cy="4448175"/>
           </a:xfrm>
           <a:prstGeom prst="rect">
             <a:avLst/>
@@ -5980,7 +5933,7 @@
     </p:spTree>
     <p:extLst>
       <p:ext uri="{BB962C8B-B14F-4D97-AF65-F5344CB8AC3E}">
-        <p14:creationId xmlns:p14="http://schemas.microsoft.com/office/powerpoint/2010/main" val="2147295692"/>
+        <p14:creationId xmlns:p14="http://schemas.microsoft.com/office/powerpoint/2010/main" val="3102918696"/>
       </p:ext>
     </p:extLst>
   </p:cSld>
@@ -6095,7 +6048,7 @@
           <p:cNvPr id="4" name="그림 3">
             <a:extLst>
               <a:ext uri="{FF2B5EF4-FFF2-40B4-BE49-F238E27FC236}">
-                <a16:creationId xmlns:a16="http://schemas.microsoft.com/office/drawing/2014/main" id="{F9ED9DF5-E9F7-4DD5-8684-2C1A084A6110}"/>
+                <a16:creationId xmlns:a16="http://schemas.microsoft.com/office/drawing/2014/main" id="{2135FAD3-ED65-428C-B0CE-5EC88F345A2B}"/>
               </a:ext>
             </a:extLst>
           </p:cNvPr>
@@ -6112,8 +6065,8 @@
         </p:blipFill>
         <p:spPr>
           <a:xfrm>
-            <a:off x="2274887" y="2412157"/>
-            <a:ext cx="7610475" cy="3533775"/>
+            <a:off x="2074862" y="1996422"/>
+            <a:ext cx="8010525" cy="4591050"/>
           </a:xfrm>
           <a:prstGeom prst="rect">
             <a:avLst/>
@@ -6123,7 +6076,7 @@
     </p:spTree>
     <p:extLst>
       <p:ext uri="{BB962C8B-B14F-4D97-AF65-F5344CB8AC3E}">
-        <p14:creationId xmlns:p14="http://schemas.microsoft.com/office/powerpoint/2010/main" val="1711198222"/>
+        <p14:creationId xmlns:p14="http://schemas.microsoft.com/office/powerpoint/2010/main" val="2147295692"/>
       </p:ext>
     </p:extLst>
   </p:cSld>
@@ -6235,10 +6188,10 @@
       </p:sp>
       <p:pic>
         <p:nvPicPr>
-          <p:cNvPr id="2" name="그림 1">
+          <p:cNvPr id="4" name="그림 3">
             <a:extLst>
               <a:ext uri="{FF2B5EF4-FFF2-40B4-BE49-F238E27FC236}">
-                <a16:creationId xmlns:a16="http://schemas.microsoft.com/office/drawing/2014/main" id="{92FD68C0-78B4-41C8-BB2D-87A60F3CFC45}"/>
+                <a16:creationId xmlns:a16="http://schemas.microsoft.com/office/drawing/2014/main" id="{F9ED9DF5-E9F7-4DD5-8684-2C1A084A6110}"/>
               </a:ext>
             </a:extLst>
           </p:cNvPr>
@@ -6255,8 +6208,8 @@
         </p:blipFill>
         <p:spPr>
           <a:xfrm>
-            <a:off x="2119685" y="1839913"/>
-            <a:ext cx="7677150" cy="5000625"/>
+            <a:off x="2274887" y="2412157"/>
+            <a:ext cx="7610475" cy="3533775"/>
           </a:xfrm>
           <a:prstGeom prst="rect">
             <a:avLst/>
@@ -6266,7 +6219,7 @@
     </p:spTree>
     <p:extLst>
       <p:ext uri="{BB962C8B-B14F-4D97-AF65-F5344CB8AC3E}">
-        <p14:creationId xmlns:p14="http://schemas.microsoft.com/office/powerpoint/2010/main" val="1478848651"/>
+        <p14:creationId xmlns:p14="http://schemas.microsoft.com/office/powerpoint/2010/main" val="1711198222"/>
       </p:ext>
     </p:extLst>
   </p:cSld>
@@ -6381,7 +6334,7 @@
           <p:cNvPr id="2" name="그림 1">
             <a:extLst>
               <a:ext uri="{FF2B5EF4-FFF2-40B4-BE49-F238E27FC236}">
-                <a16:creationId xmlns:a16="http://schemas.microsoft.com/office/drawing/2014/main" id="{5FC7A9BD-E428-4284-9A3E-185585B62688}"/>
+                <a16:creationId xmlns:a16="http://schemas.microsoft.com/office/drawing/2014/main" id="{92FD68C0-78B4-41C8-BB2D-87A60F3CFC45}"/>
               </a:ext>
             </a:extLst>
           </p:cNvPr>
@@ -6398,8 +6351,8 @@
         </p:blipFill>
         <p:spPr>
           <a:xfrm>
-            <a:off x="2232025" y="2646450"/>
-            <a:ext cx="7696200" cy="2771775"/>
+            <a:off x="2119685" y="1839913"/>
+            <a:ext cx="7677150" cy="5000625"/>
           </a:xfrm>
           <a:prstGeom prst="rect">
             <a:avLst/>
@@ -6409,7 +6362,7 @@
     </p:spTree>
     <p:extLst>
       <p:ext uri="{BB962C8B-B14F-4D97-AF65-F5344CB8AC3E}">
-        <p14:creationId xmlns:p14="http://schemas.microsoft.com/office/powerpoint/2010/main" val="3345366274"/>
+        <p14:creationId xmlns:p14="http://schemas.microsoft.com/office/powerpoint/2010/main" val="1478848651"/>
       </p:ext>
     </p:extLst>
   </p:cSld>
@@ -6438,6 +6391,65 @@
       </p:grpSpPr>
       <p:sp>
         <p:nvSpPr>
+          <p:cNvPr id="5" name="제목 4"/>
+          <p:cNvSpPr>
+            <a:spLocks noGrp="1"/>
+          </p:cNvSpPr>
+          <p:nvPr>
+            <p:ph type="title"/>
+          </p:nvPr>
+        </p:nvSpPr>
+        <p:spPr>
+          <a:xfrm>
+            <a:off x="608016" y="551987"/>
+            <a:ext cx="10944225" cy="1140090"/>
+          </a:xfrm>
+        </p:spPr>
+        <p:txBody>
+          <a:bodyPr>
+            <a:noAutofit/>
+          </a:bodyPr>
+          <a:lstStyle/>
+          <a:p>
+            <a:pPr algn="l"/>
+            <a:r>
+              <a:rPr lang="en-US" altLang="ko-KR" sz="4400" dirty="0">
+                <a:solidFill>
+                  <a:schemeClr val="tx1">
+                    <a:lumMod val="75000"/>
+                    <a:lumOff val="25000"/>
+                  </a:schemeClr>
+                </a:solidFill>
+                <a:latin typeface="Noto Sans CJK KR Black" pitchFamily="34" charset="-127"/>
+                <a:ea typeface="Noto Sans CJK KR Black" pitchFamily="34" charset="-127"/>
+              </a:rPr>
+              <a:t>3. </a:t>
+            </a:r>
+            <a:r>
+              <a:rPr lang="ko-KR" altLang="en-US" sz="4400" dirty="0"/>
+              <a:t>분석 단계별 의사결정을 위한 수학</a:t>
+            </a:r>
+            <a:r>
+              <a:rPr lang="en-US" altLang="ko-KR" sz="4400" dirty="0"/>
+              <a:t>/</a:t>
+            </a:r>
+            <a:r>
+              <a:rPr lang="ko-KR" altLang="en-US" sz="4400" dirty="0"/>
+              <a:t>통계적 언어를 이해하기</a:t>
+            </a:r>
+            <a:endParaRPr lang="ko-KR" altLang="en-US" sz="4400" dirty="0">
+              <a:solidFill>
+                <a:schemeClr val="tx1">
+                  <a:lumMod val="75000"/>
+                  <a:lumOff val="25000"/>
+                </a:schemeClr>
+              </a:solidFill>
+            </a:endParaRPr>
+          </a:p>
+        </p:txBody>
+      </p:sp>
+      <p:sp>
+        <p:nvSpPr>
           <p:cNvPr id="3" name="슬라이드 번호 개체 틀 2"/>
           <p:cNvSpPr>
             <a:spLocks noGrp="1"/>
@@ -6465,7 +6477,7 @@
           <p:cNvPr id="2" name="그림 1">
             <a:extLst>
               <a:ext uri="{FF2B5EF4-FFF2-40B4-BE49-F238E27FC236}">
-                <a16:creationId xmlns:a16="http://schemas.microsoft.com/office/drawing/2014/main" id="{8778CC4F-00F6-43F4-B1D4-13514AB8754C}"/>
+                <a16:creationId xmlns:a16="http://schemas.microsoft.com/office/drawing/2014/main" id="{5FC7A9BD-E428-4284-9A3E-185585B62688}"/>
               </a:ext>
             </a:extLst>
           </p:cNvPr>
@@ -6482,105 +6494,18 @@
         </p:blipFill>
         <p:spPr>
           <a:xfrm>
-            <a:off x="3678258" y="48419"/>
-            <a:ext cx="8458200" cy="6743700"/>
+            <a:off x="2232025" y="2646450"/>
+            <a:ext cx="7696200" cy="2771775"/>
           </a:xfrm>
           <a:prstGeom prst="rect">
             <a:avLst/>
           </a:prstGeom>
         </p:spPr>
       </p:pic>
-      <p:sp>
-        <p:nvSpPr>
-          <p:cNvPr id="5" name="제목 4"/>
-          <p:cNvSpPr>
-            <a:spLocks noGrp="1"/>
-          </p:cNvSpPr>
-          <p:nvPr>
-            <p:ph type="title"/>
-          </p:nvPr>
-        </p:nvSpPr>
-        <p:spPr>
-          <a:xfrm>
-            <a:off x="608016" y="551987"/>
-            <a:ext cx="10944225" cy="2868282"/>
-          </a:xfrm>
-        </p:spPr>
-        <p:txBody>
-          <a:bodyPr>
-            <a:noAutofit/>
-          </a:bodyPr>
-          <a:lstStyle/>
-          <a:p>
-            <a:pPr algn="l"/>
-            <a:r>
-              <a:rPr lang="en-US" altLang="ko-KR" sz="3200" dirty="0">
-                <a:solidFill>
-                  <a:schemeClr val="tx1">
-                    <a:lumMod val="75000"/>
-                    <a:lumOff val="25000"/>
-                  </a:schemeClr>
-                </a:solidFill>
-                <a:latin typeface="Noto Sans CJK KR Black" pitchFamily="34" charset="-127"/>
-                <a:ea typeface="Noto Sans CJK KR Black" pitchFamily="34" charset="-127"/>
-              </a:rPr>
-              <a:t>3. </a:t>
-            </a:r>
-            <a:r>
-              <a:rPr lang="ko-KR" altLang="en-US" sz="3200" dirty="0"/>
-              <a:t>분석 단계별 </a:t>
-            </a:r>
-            <a:br>
-              <a:rPr lang="en-US" altLang="ko-KR" sz="3200" dirty="0"/>
-            </a:br>
-            <a:r>
-              <a:rPr lang="ko-KR" altLang="en-US" sz="3200" dirty="0"/>
-              <a:t>의사결정을 위한 </a:t>
-            </a:r>
-            <a:br>
-              <a:rPr lang="en-US" altLang="ko-KR" sz="3200" dirty="0"/>
-            </a:br>
-            <a:r>
-              <a:rPr lang="ko-KR" altLang="en-US" sz="3200" dirty="0"/>
-              <a:t>수학</a:t>
-            </a:r>
-            <a:r>
-              <a:rPr lang="en-US" altLang="ko-KR" sz="3200" dirty="0"/>
-              <a:t>/</a:t>
-            </a:r>
-            <a:r>
-              <a:rPr lang="ko-KR" altLang="en-US" sz="3200" dirty="0"/>
-              <a:t>통계적 </a:t>
-            </a:r>
-            <a:br>
-              <a:rPr lang="en-US" altLang="ko-KR" sz="3200" dirty="0"/>
-            </a:br>
-            <a:r>
-              <a:rPr lang="ko-KR" altLang="en-US" sz="3200" dirty="0"/>
-              <a:t>언어를 </a:t>
-            </a:r>
-            <a:br>
-              <a:rPr lang="en-US" altLang="ko-KR" sz="3200" dirty="0"/>
-            </a:br>
-            <a:r>
-              <a:rPr lang="ko-KR" altLang="en-US" sz="3200" dirty="0"/>
-              <a:t>이해하기</a:t>
-            </a:r>
-            <a:endParaRPr lang="ko-KR" altLang="en-US" sz="3200" dirty="0">
-              <a:solidFill>
-                <a:schemeClr val="tx1">
-                  <a:lumMod val="75000"/>
-                  <a:lumOff val="25000"/>
-                </a:schemeClr>
-              </a:solidFill>
-            </a:endParaRPr>
-          </a:p>
-        </p:txBody>
-      </p:sp>
     </p:spTree>
     <p:extLst>
       <p:ext uri="{BB962C8B-B14F-4D97-AF65-F5344CB8AC3E}">
-        <p14:creationId xmlns:p14="http://schemas.microsoft.com/office/powerpoint/2010/main" val="2040361478"/>
+        <p14:creationId xmlns:p14="http://schemas.microsoft.com/office/powerpoint/2010/main" val="3345366274"/>
       </p:ext>
     </p:extLst>
   </p:cSld>
@@ -6609,65 +6534,6 @@
       </p:grpSpPr>
       <p:sp>
         <p:nvSpPr>
-          <p:cNvPr id="5" name="제목 4"/>
-          <p:cNvSpPr>
-            <a:spLocks noGrp="1"/>
-          </p:cNvSpPr>
-          <p:nvPr>
-            <p:ph type="title"/>
-          </p:nvPr>
-        </p:nvSpPr>
-        <p:spPr>
-          <a:xfrm>
-            <a:off x="608016" y="551987"/>
-            <a:ext cx="10944225" cy="1140090"/>
-          </a:xfrm>
-        </p:spPr>
-        <p:txBody>
-          <a:bodyPr>
-            <a:noAutofit/>
-          </a:bodyPr>
-          <a:lstStyle/>
-          <a:p>
-            <a:pPr algn="l"/>
-            <a:r>
-              <a:rPr lang="en-US" altLang="ko-KR" sz="4400" dirty="0">
-                <a:solidFill>
-                  <a:schemeClr val="tx1">
-                    <a:lumMod val="75000"/>
-                    <a:lumOff val="25000"/>
-                  </a:schemeClr>
-                </a:solidFill>
-                <a:latin typeface="Noto Sans CJK KR Black" pitchFamily="34" charset="-127"/>
-                <a:ea typeface="Noto Sans CJK KR Black" pitchFamily="34" charset="-127"/>
-              </a:rPr>
-              <a:t>3. </a:t>
-            </a:r>
-            <a:r>
-              <a:rPr lang="ko-KR" altLang="en-US" sz="4400" dirty="0"/>
-              <a:t>분석 단계별 의사결정을 위한 수학</a:t>
-            </a:r>
-            <a:r>
-              <a:rPr lang="en-US" altLang="ko-KR" sz="4400" dirty="0"/>
-              <a:t>/</a:t>
-            </a:r>
-            <a:r>
-              <a:rPr lang="ko-KR" altLang="en-US" sz="4400" dirty="0"/>
-              <a:t>통계적 언어를 이해하기</a:t>
-            </a:r>
-            <a:endParaRPr lang="ko-KR" altLang="en-US" sz="4400" dirty="0">
-              <a:solidFill>
-                <a:schemeClr val="tx1">
-                  <a:lumMod val="75000"/>
-                  <a:lumOff val="25000"/>
-                </a:schemeClr>
-              </a:solidFill>
-            </a:endParaRPr>
-          </a:p>
-        </p:txBody>
-      </p:sp>
-      <p:sp>
-        <p:nvSpPr>
           <p:cNvPr id="3" name="슬라이드 번호 개체 틀 2"/>
           <p:cNvSpPr>
             <a:spLocks noGrp="1"/>
@@ -6695,7 +6561,7 @@
           <p:cNvPr id="2" name="그림 1">
             <a:extLst>
               <a:ext uri="{FF2B5EF4-FFF2-40B4-BE49-F238E27FC236}">
-                <a16:creationId xmlns:a16="http://schemas.microsoft.com/office/drawing/2014/main" id="{3843F7E3-8481-4406-93BB-9E68307A8FE7}"/>
+                <a16:creationId xmlns:a16="http://schemas.microsoft.com/office/drawing/2014/main" id="{8778CC4F-00F6-43F4-B1D4-13514AB8754C}"/>
               </a:ext>
             </a:extLst>
           </p:cNvPr>
@@ -6712,18 +6578,105 @@
         </p:blipFill>
         <p:spPr>
           <a:xfrm>
-            <a:off x="1593850" y="2189250"/>
-            <a:ext cx="8972550" cy="3686175"/>
+            <a:off x="3678258" y="48419"/>
+            <a:ext cx="8458200" cy="6743700"/>
           </a:xfrm>
           <a:prstGeom prst="rect">
             <a:avLst/>
           </a:prstGeom>
         </p:spPr>
       </p:pic>
+      <p:sp>
+        <p:nvSpPr>
+          <p:cNvPr id="5" name="제목 4"/>
+          <p:cNvSpPr>
+            <a:spLocks noGrp="1"/>
+          </p:cNvSpPr>
+          <p:nvPr>
+            <p:ph type="title"/>
+          </p:nvPr>
+        </p:nvSpPr>
+        <p:spPr>
+          <a:xfrm>
+            <a:off x="608016" y="551987"/>
+            <a:ext cx="10944225" cy="2868282"/>
+          </a:xfrm>
+        </p:spPr>
+        <p:txBody>
+          <a:bodyPr>
+            <a:noAutofit/>
+          </a:bodyPr>
+          <a:lstStyle/>
+          <a:p>
+            <a:pPr algn="l"/>
+            <a:r>
+              <a:rPr lang="en-US" altLang="ko-KR" sz="3200" dirty="0">
+                <a:solidFill>
+                  <a:schemeClr val="tx1">
+                    <a:lumMod val="75000"/>
+                    <a:lumOff val="25000"/>
+                  </a:schemeClr>
+                </a:solidFill>
+                <a:latin typeface="Noto Sans CJK KR Black" pitchFamily="34" charset="-127"/>
+                <a:ea typeface="Noto Sans CJK KR Black" pitchFamily="34" charset="-127"/>
+              </a:rPr>
+              <a:t>3. </a:t>
+            </a:r>
+            <a:r>
+              <a:rPr lang="ko-KR" altLang="en-US" sz="3200" dirty="0"/>
+              <a:t>분석 단계별 </a:t>
+            </a:r>
+            <a:br>
+              <a:rPr lang="en-US" altLang="ko-KR" sz="3200" dirty="0"/>
+            </a:br>
+            <a:r>
+              <a:rPr lang="ko-KR" altLang="en-US" sz="3200" dirty="0"/>
+              <a:t>의사결정을 위한 </a:t>
+            </a:r>
+            <a:br>
+              <a:rPr lang="en-US" altLang="ko-KR" sz="3200" dirty="0"/>
+            </a:br>
+            <a:r>
+              <a:rPr lang="ko-KR" altLang="en-US" sz="3200" dirty="0"/>
+              <a:t>수학</a:t>
+            </a:r>
+            <a:r>
+              <a:rPr lang="en-US" altLang="ko-KR" sz="3200" dirty="0"/>
+              <a:t>/</a:t>
+            </a:r>
+            <a:r>
+              <a:rPr lang="ko-KR" altLang="en-US" sz="3200" dirty="0"/>
+              <a:t>통계적 </a:t>
+            </a:r>
+            <a:br>
+              <a:rPr lang="en-US" altLang="ko-KR" sz="3200" dirty="0"/>
+            </a:br>
+            <a:r>
+              <a:rPr lang="ko-KR" altLang="en-US" sz="3200" dirty="0"/>
+              <a:t>언어를 </a:t>
+            </a:r>
+            <a:br>
+              <a:rPr lang="en-US" altLang="ko-KR" sz="3200" dirty="0"/>
+            </a:br>
+            <a:r>
+              <a:rPr lang="ko-KR" altLang="en-US" sz="3200" dirty="0"/>
+              <a:t>이해하기</a:t>
+            </a:r>
+            <a:endParaRPr lang="ko-KR" altLang="en-US" sz="3200" dirty="0">
+              <a:solidFill>
+                <a:schemeClr val="tx1">
+                  <a:lumMod val="75000"/>
+                  <a:lumOff val="25000"/>
+                </a:schemeClr>
+              </a:solidFill>
+            </a:endParaRPr>
+          </a:p>
+        </p:txBody>
+      </p:sp>
     </p:spTree>
     <p:extLst>
       <p:ext uri="{BB962C8B-B14F-4D97-AF65-F5344CB8AC3E}">
-        <p14:creationId xmlns:p14="http://schemas.microsoft.com/office/powerpoint/2010/main" val="1681465017"/>
+        <p14:creationId xmlns:p14="http://schemas.microsoft.com/office/powerpoint/2010/main" val="2040361478"/>
       </p:ext>
     </p:extLst>
   </p:cSld>
@@ -6838,7 +6791,7 @@
           <p:cNvPr id="2" name="그림 1">
             <a:extLst>
               <a:ext uri="{FF2B5EF4-FFF2-40B4-BE49-F238E27FC236}">
-                <a16:creationId xmlns:a16="http://schemas.microsoft.com/office/drawing/2014/main" id="{D5B8B0F1-E241-49F5-839D-7599A3981F84}"/>
+                <a16:creationId xmlns:a16="http://schemas.microsoft.com/office/drawing/2014/main" id="{3843F7E3-8481-4406-93BB-9E68307A8FE7}"/>
               </a:ext>
             </a:extLst>
           </p:cNvPr>
@@ -6855,8 +6808,8 @@
         </p:blipFill>
         <p:spPr>
           <a:xfrm>
-            <a:off x="1555764" y="2441662"/>
-            <a:ext cx="9039225" cy="3181350"/>
+            <a:off x="1593850" y="2189250"/>
+            <a:ext cx="8972550" cy="3686175"/>
           </a:xfrm>
           <a:prstGeom prst="rect">
             <a:avLst/>
@@ -6866,7 +6819,7 @@
     </p:spTree>
     <p:extLst>
       <p:ext uri="{BB962C8B-B14F-4D97-AF65-F5344CB8AC3E}">
-        <p14:creationId xmlns:p14="http://schemas.microsoft.com/office/powerpoint/2010/main" val="1241142410"/>
+        <p14:creationId xmlns:p14="http://schemas.microsoft.com/office/powerpoint/2010/main" val="1681465017"/>
       </p:ext>
     </p:extLst>
   </p:cSld>
@@ -6981,7 +6934,7 @@
           <p:cNvPr id="2" name="그림 1">
             <a:extLst>
               <a:ext uri="{FF2B5EF4-FFF2-40B4-BE49-F238E27FC236}">
-                <a16:creationId xmlns:a16="http://schemas.microsoft.com/office/drawing/2014/main" id="{383C6716-A341-4F37-A05B-8175736A3ACB}"/>
+                <a16:creationId xmlns:a16="http://schemas.microsoft.com/office/drawing/2014/main" id="{D5B8B0F1-E241-49F5-839D-7599A3981F84}"/>
               </a:ext>
             </a:extLst>
           </p:cNvPr>
@@ -6998,8 +6951,8 @@
         </p:blipFill>
         <p:spPr>
           <a:xfrm>
-            <a:off x="1751012" y="1925545"/>
-            <a:ext cx="8658225" cy="4629150"/>
+            <a:off x="1555764" y="2441662"/>
+            <a:ext cx="9039225" cy="3181350"/>
           </a:xfrm>
           <a:prstGeom prst="rect">
             <a:avLst/>
@@ -7009,7 +6962,7 @@
     </p:spTree>
     <p:extLst>
       <p:ext uri="{BB962C8B-B14F-4D97-AF65-F5344CB8AC3E}">
-        <p14:creationId xmlns:p14="http://schemas.microsoft.com/office/powerpoint/2010/main" val="1220472439"/>
+        <p14:creationId xmlns:p14="http://schemas.microsoft.com/office/powerpoint/2010/main" val="1241142410"/>
       </p:ext>
     </p:extLst>
   </p:cSld>
@@ -7124,7 +7077,7 @@
           <p:cNvPr id="2" name="그림 1">
             <a:extLst>
               <a:ext uri="{FF2B5EF4-FFF2-40B4-BE49-F238E27FC236}">
-                <a16:creationId xmlns:a16="http://schemas.microsoft.com/office/drawing/2014/main" id="{24FDBD26-5306-4B8B-9E99-265DAF626043}"/>
+                <a16:creationId xmlns:a16="http://schemas.microsoft.com/office/drawing/2014/main" id="{383C6716-A341-4F37-A05B-8175736A3ACB}"/>
               </a:ext>
             </a:extLst>
           </p:cNvPr>
@@ -7141,8 +7094,8 @@
         </p:blipFill>
         <p:spPr>
           <a:xfrm>
-            <a:off x="1755775" y="2336919"/>
-            <a:ext cx="8648700" cy="3419475"/>
+            <a:off x="1751012" y="1925545"/>
+            <a:ext cx="8658225" cy="4629150"/>
           </a:xfrm>
           <a:prstGeom prst="rect">
             <a:avLst/>
@@ -7152,7 +7105,7 @@
     </p:spTree>
     <p:extLst>
       <p:ext uri="{BB962C8B-B14F-4D97-AF65-F5344CB8AC3E}">
-        <p14:creationId xmlns:p14="http://schemas.microsoft.com/office/powerpoint/2010/main" val="3871071999"/>
+        <p14:creationId xmlns:p14="http://schemas.microsoft.com/office/powerpoint/2010/main" val="1220472439"/>
       </p:ext>
     </p:extLst>
   </p:cSld>
@@ -7267,7 +7220,7 @@
           <p:cNvPr id="2" name="그림 1">
             <a:extLst>
               <a:ext uri="{FF2B5EF4-FFF2-40B4-BE49-F238E27FC236}">
-                <a16:creationId xmlns:a16="http://schemas.microsoft.com/office/drawing/2014/main" id="{6AECCC48-CA89-4376-813C-E61DDDE183B7}"/>
+                <a16:creationId xmlns:a16="http://schemas.microsoft.com/office/drawing/2014/main" id="{24FDBD26-5306-4B8B-9E99-265DAF626043}"/>
               </a:ext>
             </a:extLst>
           </p:cNvPr>
@@ -7284,8 +7237,8 @@
         </p:blipFill>
         <p:spPr>
           <a:xfrm>
-            <a:off x="1874837" y="2048248"/>
-            <a:ext cx="8410575" cy="4324350"/>
+            <a:off x="1755775" y="2336919"/>
+            <a:ext cx="8648700" cy="3419475"/>
           </a:xfrm>
           <a:prstGeom prst="rect">
             <a:avLst/>
@@ -7295,7 +7248,7 @@
     </p:spTree>
     <p:extLst>
       <p:ext uri="{BB962C8B-B14F-4D97-AF65-F5344CB8AC3E}">
-        <p14:creationId xmlns:p14="http://schemas.microsoft.com/office/powerpoint/2010/main" val="2284091182"/>
+        <p14:creationId xmlns:p14="http://schemas.microsoft.com/office/powerpoint/2010/main" val="3871071999"/>
       </p:ext>
     </p:extLst>
   </p:cSld>
@@ -7348,10 +7301,10 @@
       </p:sp>
       <p:pic>
         <p:nvPicPr>
-          <p:cNvPr id="2" name="그림 1">
+          <p:cNvPr id="3" name="그림 2">
             <a:extLst>
               <a:ext uri="{FF2B5EF4-FFF2-40B4-BE49-F238E27FC236}">
-                <a16:creationId xmlns:a16="http://schemas.microsoft.com/office/drawing/2014/main" id="{6A4D4422-E3FC-495E-BCD5-4B090EC5AAB9}"/>
+                <a16:creationId xmlns:a16="http://schemas.microsoft.com/office/drawing/2014/main" id="{1D3320F7-1443-43D7-B0BE-B542F25037C3}"/>
               </a:ext>
             </a:extLst>
           </p:cNvPr>
@@ -7368,8 +7321,8 @@
         </p:blipFill>
         <p:spPr>
           <a:xfrm>
-            <a:off x="2923510" y="107901"/>
-            <a:ext cx="6313230" cy="6628892"/>
+            <a:off x="4192108" y="0"/>
+            <a:ext cx="3776033" cy="6840538"/>
           </a:xfrm>
           <a:prstGeom prst="rect">
             <a:avLst/>
@@ -7419,7 +7372,7 @@
         <p:spPr>
           <a:xfrm>
             <a:off x="608016" y="551987"/>
-            <a:ext cx="10944225" cy="2148202"/>
+            <a:ext cx="10944225" cy="1140090"/>
           </a:xfrm>
         </p:spPr>
         <p:txBody>
@@ -7430,7 +7383,7 @@
           <a:p>
             <a:pPr algn="l"/>
             <a:r>
-              <a:rPr lang="en-US" altLang="ko-KR" sz="3200" dirty="0">
+              <a:rPr lang="en-US" altLang="ko-KR" sz="4400" dirty="0">
                 <a:solidFill>
                   <a:schemeClr val="tx1">
                     <a:lumMod val="75000"/>
@@ -7443,39 +7396,18 @@
               <a:t>3. </a:t>
             </a:r>
             <a:r>
-              <a:rPr lang="ko-KR" altLang="en-US" sz="3200" dirty="0"/>
-              <a:t>분석 단계별 </a:t>
-            </a:r>
-            <a:br>
-              <a:rPr lang="en-US" altLang="ko-KR" sz="3200" dirty="0"/>
-            </a:br>
-            <a:r>
-              <a:rPr lang="ko-KR" altLang="en-US" sz="3200" dirty="0"/>
-              <a:t>의사결정을 위한 </a:t>
-            </a:r>
-            <a:br>
-              <a:rPr lang="en-US" altLang="ko-KR" sz="3200" dirty="0"/>
-            </a:br>
-            <a:r>
-              <a:rPr lang="ko-KR" altLang="en-US" sz="3200" dirty="0"/>
-              <a:t>수학</a:t>
-            </a:r>
-            <a:r>
-              <a:rPr lang="en-US" altLang="ko-KR" sz="3200" dirty="0"/>
+              <a:rPr lang="ko-KR" altLang="en-US" sz="4400" dirty="0"/>
+              <a:t>분석 단계별 의사결정을 위한 수학</a:t>
+            </a:r>
+            <a:r>
+              <a:rPr lang="en-US" altLang="ko-KR" sz="4400" dirty="0"/>
               <a:t>/</a:t>
             </a:r>
             <a:r>
-              <a:rPr lang="ko-KR" altLang="en-US" sz="3200" dirty="0"/>
-              <a:t>통계적 </a:t>
-            </a:r>
-            <a:br>
-              <a:rPr lang="en-US" altLang="ko-KR" sz="3200" dirty="0"/>
-            </a:br>
-            <a:r>
-              <a:rPr lang="ko-KR" altLang="en-US" sz="3200" dirty="0"/>
-              <a:t>언어를 이해하기</a:t>
-            </a:r>
-            <a:endParaRPr lang="ko-KR" altLang="en-US" sz="3200" dirty="0">
+              <a:rPr lang="ko-KR" altLang="en-US" sz="4400" dirty="0"/>
+              <a:t>통계적 언어를 이해하기</a:t>
+            </a:r>
+            <a:endParaRPr lang="ko-KR" altLang="en-US" sz="4400" dirty="0">
               <a:solidFill>
                 <a:schemeClr val="tx1">
                   <a:lumMod val="75000"/>
@@ -7515,7 +7447,7 @@
           <p:cNvPr id="2" name="그림 1">
             <a:extLst>
               <a:ext uri="{FF2B5EF4-FFF2-40B4-BE49-F238E27FC236}">
-                <a16:creationId xmlns:a16="http://schemas.microsoft.com/office/drawing/2014/main" id="{FDA22192-03BD-48EA-A938-A438DC66B66E}"/>
+                <a16:creationId xmlns:a16="http://schemas.microsoft.com/office/drawing/2014/main" id="{6AECCC48-CA89-4376-813C-E61DDDE183B7}"/>
               </a:ext>
             </a:extLst>
           </p:cNvPr>
@@ -7532,8 +7464,8 @@
         </p:blipFill>
         <p:spPr>
           <a:xfrm>
-            <a:off x="3884049" y="849869"/>
-            <a:ext cx="8114022" cy="5438682"/>
+            <a:off x="1874837" y="2048248"/>
+            <a:ext cx="8410575" cy="4324350"/>
           </a:xfrm>
           <a:prstGeom prst="rect">
             <a:avLst/>
@@ -7543,7 +7475,7 @@
     </p:spTree>
     <p:extLst>
       <p:ext uri="{BB962C8B-B14F-4D97-AF65-F5344CB8AC3E}">
-        <p14:creationId xmlns:p14="http://schemas.microsoft.com/office/powerpoint/2010/main" val="3982900"/>
+        <p14:creationId xmlns:p14="http://schemas.microsoft.com/office/powerpoint/2010/main" val="2284091182"/>
       </p:ext>
     </p:extLst>
   </p:cSld>
@@ -7583,7 +7515,7 @@
         <p:spPr>
           <a:xfrm>
             <a:off x="608016" y="551987"/>
-            <a:ext cx="10944225" cy="1140090"/>
+            <a:ext cx="10944225" cy="2148202"/>
           </a:xfrm>
         </p:spPr>
         <p:txBody>
@@ -7594,7 +7526,7 @@
           <a:p>
             <a:pPr algn="l"/>
             <a:r>
-              <a:rPr lang="en-US" altLang="ko-KR" sz="4400" dirty="0">
+              <a:rPr lang="en-US" altLang="ko-KR" sz="3200" dirty="0">
                 <a:solidFill>
                   <a:schemeClr val="tx1">
                     <a:lumMod val="75000"/>
@@ -7607,18 +7539,39 @@
               <a:t>3. </a:t>
             </a:r>
             <a:r>
-              <a:rPr lang="ko-KR" altLang="en-US" sz="4400" dirty="0"/>
-              <a:t>분석 단계별 의사결정을 위한 수학</a:t>
-            </a:r>
-            <a:r>
-              <a:rPr lang="en-US" altLang="ko-KR" sz="4400" dirty="0"/>
+              <a:rPr lang="ko-KR" altLang="en-US" sz="3200" dirty="0"/>
+              <a:t>분석 단계별 </a:t>
+            </a:r>
+            <a:br>
+              <a:rPr lang="en-US" altLang="ko-KR" sz="3200" dirty="0"/>
+            </a:br>
+            <a:r>
+              <a:rPr lang="ko-KR" altLang="en-US" sz="3200" dirty="0"/>
+              <a:t>의사결정을 위한 </a:t>
+            </a:r>
+            <a:br>
+              <a:rPr lang="en-US" altLang="ko-KR" sz="3200" dirty="0"/>
+            </a:br>
+            <a:r>
+              <a:rPr lang="ko-KR" altLang="en-US" sz="3200" dirty="0"/>
+              <a:t>수학</a:t>
+            </a:r>
+            <a:r>
+              <a:rPr lang="en-US" altLang="ko-KR" sz="3200" dirty="0"/>
               <a:t>/</a:t>
             </a:r>
             <a:r>
-              <a:rPr lang="ko-KR" altLang="en-US" sz="4400" dirty="0"/>
-              <a:t>통계적 언어를 이해하기</a:t>
-            </a:r>
-            <a:endParaRPr lang="ko-KR" altLang="en-US" sz="4400" dirty="0">
+              <a:rPr lang="ko-KR" altLang="en-US" sz="3200" dirty="0"/>
+              <a:t>통계적 </a:t>
+            </a:r>
+            <a:br>
+              <a:rPr lang="en-US" altLang="ko-KR" sz="3200" dirty="0"/>
+            </a:br>
+            <a:r>
+              <a:rPr lang="ko-KR" altLang="en-US" sz="3200" dirty="0"/>
+              <a:t>언어를 이해하기</a:t>
+            </a:r>
+            <a:endParaRPr lang="ko-KR" altLang="en-US" sz="3200" dirty="0">
               <a:solidFill>
                 <a:schemeClr val="tx1">
                   <a:lumMod val="75000"/>
@@ -7655,10 +7608,10 @@
       </p:sp>
       <p:pic>
         <p:nvPicPr>
-          <p:cNvPr id="2" name="그림 1">
+          <p:cNvPr id="4" name="그림 3">
             <a:extLst>
               <a:ext uri="{FF2B5EF4-FFF2-40B4-BE49-F238E27FC236}">
-                <a16:creationId xmlns:a16="http://schemas.microsoft.com/office/drawing/2014/main" id="{06CDDE88-85C8-4F4F-94C1-E37549B45EA6}"/>
+                <a16:creationId xmlns:a16="http://schemas.microsoft.com/office/drawing/2014/main" id="{E31EA6FC-8CAD-47E1-AAD4-1E3621605442}"/>
               </a:ext>
             </a:extLst>
           </p:cNvPr>
@@ -7675,8 +7628,8 @@
         </p:blipFill>
         <p:spPr>
           <a:xfrm>
-            <a:off x="1179512" y="2268141"/>
-            <a:ext cx="9801225" cy="3886200"/>
+            <a:off x="4501896" y="2196133"/>
+            <a:ext cx="7496175" cy="2905125"/>
           </a:xfrm>
           <a:prstGeom prst="rect">
             <a:avLst/>
@@ -7686,7 +7639,7 @@
     </p:spTree>
     <p:extLst>
       <p:ext uri="{BB962C8B-B14F-4D97-AF65-F5344CB8AC3E}">
-        <p14:creationId xmlns:p14="http://schemas.microsoft.com/office/powerpoint/2010/main" val="304699420"/>
+        <p14:creationId xmlns:p14="http://schemas.microsoft.com/office/powerpoint/2010/main" val="3982900"/>
       </p:ext>
     </p:extLst>
   </p:cSld>
@@ -7726,7 +7679,7 @@
         <p:spPr>
           <a:xfrm>
             <a:off x="608016" y="551987"/>
-            <a:ext cx="10944225" cy="2724266"/>
+            <a:ext cx="10944225" cy="1140090"/>
           </a:xfrm>
         </p:spPr>
         <p:txBody>
@@ -7751,21 +7704,7 @@
             </a:r>
             <a:r>
               <a:rPr lang="ko-KR" altLang="en-US" sz="4400" dirty="0"/>
-              <a:t>분석 단계별 </a:t>
-            </a:r>
-            <a:br>
-              <a:rPr lang="en-US" altLang="ko-KR" sz="4400" dirty="0"/>
-            </a:br>
-            <a:r>
-              <a:rPr lang="ko-KR" altLang="en-US" sz="4400" dirty="0"/>
-              <a:t>의사결정을 위한 </a:t>
-            </a:r>
-            <a:br>
-              <a:rPr lang="en-US" altLang="ko-KR" sz="4400" dirty="0"/>
-            </a:br>
-            <a:r>
-              <a:rPr lang="ko-KR" altLang="en-US" sz="4400" dirty="0"/>
-              <a:t>수학</a:t>
+              <a:t>분석 단계별 의사결정을 위한 수학</a:t>
             </a:r>
             <a:r>
               <a:rPr lang="en-US" altLang="ko-KR" sz="4400" dirty="0"/>
@@ -7773,14 +7712,7 @@
             </a:r>
             <a:r>
               <a:rPr lang="ko-KR" altLang="en-US" sz="4400" dirty="0"/>
-              <a:t>통계적 </a:t>
-            </a:r>
-            <a:br>
-              <a:rPr lang="en-US" altLang="ko-KR" sz="4400" dirty="0"/>
-            </a:br>
-            <a:r>
-              <a:rPr lang="ko-KR" altLang="en-US" sz="4400" dirty="0"/>
-              <a:t>언어를 이해하기</a:t>
+              <a:t>통계적 언어를 이해하기</a:t>
             </a:r>
             <a:endParaRPr lang="ko-KR" altLang="en-US" sz="4400" dirty="0">
               <a:solidFill>
@@ -7819,10 +7751,10 @@
       </p:sp>
       <p:pic>
         <p:nvPicPr>
-          <p:cNvPr id="2" name="그림 1">
+          <p:cNvPr id="6" name="그림 5">
             <a:extLst>
               <a:ext uri="{FF2B5EF4-FFF2-40B4-BE49-F238E27FC236}">
-                <a16:creationId xmlns:a16="http://schemas.microsoft.com/office/drawing/2014/main" id="{019BC649-AFD6-44AE-8995-84EF30E81913}"/>
+                <a16:creationId xmlns:a16="http://schemas.microsoft.com/office/drawing/2014/main" id="{470D9A98-794A-49EF-8641-22F952DF8426}"/>
               </a:ext>
             </a:extLst>
           </p:cNvPr>
@@ -7839,8 +7771,8 @@
         </p:blipFill>
         <p:spPr>
           <a:xfrm>
-            <a:off x="5720085" y="106363"/>
-            <a:ext cx="6048375" cy="6734175"/>
+            <a:off x="1360487" y="2189250"/>
+            <a:ext cx="9439275" cy="3686175"/>
           </a:xfrm>
           <a:prstGeom prst="rect">
             <a:avLst/>
@@ -7850,7 +7782,7 @@
     </p:spTree>
     <p:extLst>
       <p:ext uri="{BB962C8B-B14F-4D97-AF65-F5344CB8AC3E}">
-        <p14:creationId xmlns:p14="http://schemas.microsoft.com/office/powerpoint/2010/main" val="1796393109"/>
+        <p14:creationId xmlns:p14="http://schemas.microsoft.com/office/powerpoint/2010/main" val="304699420"/>
       </p:ext>
     </p:extLst>
   </p:cSld>
@@ -7890,7 +7822,7 @@
         <p:spPr>
           <a:xfrm>
             <a:off x="608016" y="551987"/>
-            <a:ext cx="10944225" cy="1140090"/>
+            <a:ext cx="10944225" cy="2724266"/>
           </a:xfrm>
         </p:spPr>
         <p:txBody>
@@ -7915,7 +7847,21 @@
             </a:r>
             <a:r>
               <a:rPr lang="ko-KR" altLang="en-US" sz="4400" dirty="0"/>
-              <a:t>분석 단계별 의사결정을 위한 수학</a:t>
+              <a:t>분석 단계별 </a:t>
+            </a:r>
+            <a:br>
+              <a:rPr lang="en-US" altLang="ko-KR" sz="4400" dirty="0"/>
+            </a:br>
+            <a:r>
+              <a:rPr lang="ko-KR" altLang="en-US" sz="4400" dirty="0"/>
+              <a:t>의사결정을 위한 </a:t>
+            </a:r>
+            <a:br>
+              <a:rPr lang="en-US" altLang="ko-KR" sz="4400" dirty="0"/>
+            </a:br>
+            <a:r>
+              <a:rPr lang="ko-KR" altLang="en-US" sz="4400" dirty="0"/>
+              <a:t>수학</a:t>
             </a:r>
             <a:r>
               <a:rPr lang="en-US" altLang="ko-KR" sz="4400" dirty="0"/>
@@ -7923,7 +7869,14 @@
             </a:r>
             <a:r>
               <a:rPr lang="ko-KR" altLang="en-US" sz="4400" dirty="0"/>
-              <a:t>통계적 언어를 이해하기</a:t>
+              <a:t>통계적 </a:t>
+            </a:r>
+            <a:br>
+              <a:rPr lang="en-US" altLang="ko-KR" sz="4400" dirty="0"/>
+            </a:br>
+            <a:r>
+              <a:rPr lang="ko-KR" altLang="en-US" sz="4400" dirty="0"/>
+              <a:t>언어를 이해하기</a:t>
             </a:r>
             <a:endParaRPr lang="ko-KR" altLang="en-US" sz="4400" dirty="0">
               <a:solidFill>
@@ -7965,7 +7918,7 @@
           <p:cNvPr id="2" name="그림 1">
             <a:extLst>
               <a:ext uri="{FF2B5EF4-FFF2-40B4-BE49-F238E27FC236}">
-                <a16:creationId xmlns:a16="http://schemas.microsoft.com/office/drawing/2014/main" id="{5E1514D3-54FA-4197-AFF1-32C36AD3732C}"/>
+                <a16:creationId xmlns:a16="http://schemas.microsoft.com/office/drawing/2014/main" id="{019BC649-AFD6-44AE-8995-84EF30E81913}"/>
               </a:ext>
             </a:extLst>
           </p:cNvPr>
@@ -7982,8 +7935,8 @@
         </p:blipFill>
         <p:spPr>
           <a:xfrm>
-            <a:off x="774700" y="2410619"/>
-            <a:ext cx="10610850" cy="2019300"/>
+            <a:off x="5720085" y="106363"/>
+            <a:ext cx="6048375" cy="6734175"/>
           </a:xfrm>
           <a:prstGeom prst="rect">
             <a:avLst/>
@@ -7993,7 +7946,7 @@
     </p:spTree>
     <p:extLst>
       <p:ext uri="{BB962C8B-B14F-4D97-AF65-F5344CB8AC3E}">
-        <p14:creationId xmlns:p14="http://schemas.microsoft.com/office/powerpoint/2010/main" val="2333160138"/>
+        <p14:creationId xmlns:p14="http://schemas.microsoft.com/office/powerpoint/2010/main" val="1796393109"/>
       </p:ext>
     </p:extLst>
   </p:cSld>
@@ -8108,7 +8061,7 @@
           <p:cNvPr id="2" name="그림 1">
             <a:extLst>
               <a:ext uri="{FF2B5EF4-FFF2-40B4-BE49-F238E27FC236}">
-                <a16:creationId xmlns:a16="http://schemas.microsoft.com/office/drawing/2014/main" id="{8BE61E85-6E04-4B2B-B637-A54CB202531F}"/>
+                <a16:creationId xmlns:a16="http://schemas.microsoft.com/office/drawing/2014/main" id="{5E1514D3-54FA-4197-AFF1-32C36AD3732C}"/>
               </a:ext>
             </a:extLst>
           </p:cNvPr>
@@ -8125,8 +8078,8 @@
         </p:blipFill>
         <p:spPr>
           <a:xfrm>
-            <a:off x="1759645" y="1782763"/>
-            <a:ext cx="8448675" cy="5057775"/>
+            <a:off x="774700" y="2410619"/>
+            <a:ext cx="10610850" cy="2019300"/>
           </a:xfrm>
           <a:prstGeom prst="rect">
             <a:avLst/>
@@ -8136,7 +8089,7 @@
     </p:spTree>
     <p:extLst>
       <p:ext uri="{BB962C8B-B14F-4D97-AF65-F5344CB8AC3E}">
-        <p14:creationId xmlns:p14="http://schemas.microsoft.com/office/powerpoint/2010/main" val="3443183952"/>
+        <p14:creationId xmlns:p14="http://schemas.microsoft.com/office/powerpoint/2010/main" val="2333160138"/>
       </p:ext>
     </p:extLst>
   </p:cSld>
@@ -8176,7 +8129,7 @@
         <p:spPr>
           <a:xfrm>
             <a:off x="608016" y="551987"/>
-            <a:ext cx="10944225" cy="2724266"/>
+            <a:ext cx="10944225" cy="1140090"/>
           </a:xfrm>
         </p:spPr>
         <p:txBody>
@@ -8201,21 +8154,7 @@
             </a:r>
             <a:r>
               <a:rPr lang="ko-KR" altLang="en-US" sz="4400" dirty="0"/>
-              <a:t>분석 단계별 </a:t>
-            </a:r>
-            <a:br>
-              <a:rPr lang="en-US" altLang="ko-KR" sz="4400" dirty="0"/>
-            </a:br>
-            <a:r>
-              <a:rPr lang="ko-KR" altLang="en-US" sz="4400" dirty="0"/>
-              <a:t>의사결정을 위한 </a:t>
-            </a:r>
-            <a:br>
-              <a:rPr lang="en-US" altLang="ko-KR" sz="4400" dirty="0"/>
-            </a:br>
-            <a:r>
-              <a:rPr lang="ko-KR" altLang="en-US" sz="4400" dirty="0"/>
-              <a:t>수학</a:t>
+              <a:t>분석 단계별 의사결정을 위한 수학</a:t>
             </a:r>
             <a:r>
               <a:rPr lang="en-US" altLang="ko-KR" sz="4400" dirty="0"/>
@@ -8223,14 +8162,7 @@
             </a:r>
             <a:r>
               <a:rPr lang="ko-KR" altLang="en-US" sz="4400" dirty="0"/>
-              <a:t>통계적 언어를 </a:t>
-            </a:r>
-            <a:br>
-              <a:rPr lang="en-US" altLang="ko-KR" sz="4400" dirty="0"/>
-            </a:br>
-            <a:r>
-              <a:rPr lang="ko-KR" altLang="en-US" sz="4400" dirty="0"/>
-              <a:t>이해하기</a:t>
+              <a:t>통계적 언어를 이해하기</a:t>
             </a:r>
             <a:endParaRPr lang="ko-KR" altLang="en-US" sz="4400" dirty="0">
               <a:solidFill>
@@ -8269,10 +8201,10 @@
       </p:sp>
       <p:pic>
         <p:nvPicPr>
-          <p:cNvPr id="4" name="그림 3">
+          <p:cNvPr id="2" name="그림 1">
             <a:extLst>
               <a:ext uri="{FF2B5EF4-FFF2-40B4-BE49-F238E27FC236}">
-                <a16:creationId xmlns:a16="http://schemas.microsoft.com/office/drawing/2014/main" id="{C5547C04-F8EB-43D4-8168-8F32406DB805}"/>
+                <a16:creationId xmlns:a16="http://schemas.microsoft.com/office/drawing/2014/main" id="{8BE61E85-6E04-4B2B-B637-A54CB202531F}"/>
               </a:ext>
             </a:extLst>
           </p:cNvPr>
@@ -8289,8 +8221,8 @@
         </p:blipFill>
         <p:spPr>
           <a:xfrm>
-            <a:off x="6944221" y="0"/>
-            <a:ext cx="4213717" cy="6840538"/>
+            <a:off x="1759645" y="1782763"/>
+            <a:ext cx="8448675" cy="5057775"/>
           </a:xfrm>
           <a:prstGeom prst="rect">
             <a:avLst/>
@@ -8300,7 +8232,7 @@
     </p:spTree>
     <p:extLst>
       <p:ext uri="{BB962C8B-B14F-4D97-AF65-F5344CB8AC3E}">
-        <p14:creationId xmlns:p14="http://schemas.microsoft.com/office/powerpoint/2010/main" val="3929824406"/>
+        <p14:creationId xmlns:p14="http://schemas.microsoft.com/office/powerpoint/2010/main" val="3443183952"/>
       </p:ext>
     </p:extLst>
   </p:cSld>
@@ -8415,7 +8347,7 @@
           <p:cNvPr id="4" name="그림 3">
             <a:extLst>
               <a:ext uri="{FF2B5EF4-FFF2-40B4-BE49-F238E27FC236}">
-                <a16:creationId xmlns:a16="http://schemas.microsoft.com/office/drawing/2014/main" id="{F604D8E2-5D45-4650-A72F-7ED7D9473E73}"/>
+                <a16:creationId xmlns:a16="http://schemas.microsoft.com/office/drawing/2014/main" id="{81BAAECB-D0EB-4D9B-9571-E59356C46496}"/>
               </a:ext>
             </a:extLst>
           </p:cNvPr>
@@ -8432,8 +8364,8 @@
         </p:blipFill>
         <p:spPr>
           <a:xfrm>
-            <a:off x="1274762" y="3110706"/>
-            <a:ext cx="9610725" cy="619125"/>
+            <a:off x="479425" y="1980109"/>
+            <a:ext cx="11201400" cy="4686300"/>
           </a:xfrm>
           <a:prstGeom prst="rect">
             <a:avLst/>
@@ -8443,7 +8375,7 @@
     </p:spTree>
     <p:extLst>
       <p:ext uri="{BB962C8B-B14F-4D97-AF65-F5344CB8AC3E}">
-        <p14:creationId xmlns:p14="http://schemas.microsoft.com/office/powerpoint/2010/main" val="2913105408"/>
+        <p14:creationId xmlns:p14="http://schemas.microsoft.com/office/powerpoint/2010/main" val="3832220492"/>
       </p:ext>
     </p:extLst>
   </p:cSld>
@@ -8555,10 +8487,10 @@
       </p:sp>
       <p:pic>
         <p:nvPicPr>
-          <p:cNvPr id="2" name="그림 1">
+          <p:cNvPr id="4" name="그림 3">
             <a:extLst>
               <a:ext uri="{FF2B5EF4-FFF2-40B4-BE49-F238E27FC236}">
-                <a16:creationId xmlns:a16="http://schemas.microsoft.com/office/drawing/2014/main" id="{DCA6C211-CFB3-47DB-8EF8-D1401C2CC0F0}"/>
+                <a16:creationId xmlns:a16="http://schemas.microsoft.com/office/drawing/2014/main" id="{D19AEEAA-D869-4F95-93DE-61772C9C7E67}"/>
               </a:ext>
             </a:extLst>
           </p:cNvPr>
@@ -8575,8 +8507,8 @@
         </p:blipFill>
         <p:spPr>
           <a:xfrm>
-            <a:off x="1479550" y="2121056"/>
-            <a:ext cx="9201150" cy="4686300"/>
+            <a:off x="508000" y="2353048"/>
+            <a:ext cx="11144250" cy="4019550"/>
           </a:xfrm>
           <a:prstGeom prst="rect">
             <a:avLst/>
@@ -8586,7 +8518,7 @@
     </p:spTree>
     <p:extLst>
       <p:ext uri="{BB962C8B-B14F-4D97-AF65-F5344CB8AC3E}">
-        <p14:creationId xmlns:p14="http://schemas.microsoft.com/office/powerpoint/2010/main" val="1016602117"/>
+        <p14:creationId xmlns:p14="http://schemas.microsoft.com/office/powerpoint/2010/main" val="25232148"/>
       </p:ext>
     </p:extLst>
   </p:cSld>
@@ -8701,7 +8633,7 @@
           <p:cNvPr id="4" name="그림 3">
             <a:extLst>
               <a:ext uri="{FF2B5EF4-FFF2-40B4-BE49-F238E27FC236}">
-                <a16:creationId xmlns:a16="http://schemas.microsoft.com/office/drawing/2014/main" id="{8ACECD2E-4271-4567-8B41-5B121CBFAA6E}"/>
+                <a16:creationId xmlns:a16="http://schemas.microsoft.com/office/drawing/2014/main" id="{9F612C67-50C0-4460-8459-62B611E40BB2}"/>
               </a:ext>
             </a:extLst>
           </p:cNvPr>
@@ -8718,8 +8650,8 @@
         </p:blipFill>
         <p:spPr>
           <a:xfrm>
-            <a:off x="2341562" y="2268141"/>
-            <a:ext cx="7477125" cy="3914775"/>
+            <a:off x="1989137" y="1945718"/>
+            <a:ext cx="8181975" cy="4791075"/>
           </a:xfrm>
           <a:prstGeom prst="rect">
             <a:avLst/>
@@ -8729,7 +8661,7 @@
     </p:spTree>
     <p:extLst>
       <p:ext uri="{BB962C8B-B14F-4D97-AF65-F5344CB8AC3E}">
-        <p14:creationId xmlns:p14="http://schemas.microsoft.com/office/powerpoint/2010/main" val="161235060"/>
+        <p14:creationId xmlns:p14="http://schemas.microsoft.com/office/powerpoint/2010/main" val="3336872894"/>
       </p:ext>
     </p:extLst>
   </p:cSld>
@@ -8769,7 +8701,7 @@
         <p:spPr>
           <a:xfrm>
             <a:off x="608016" y="551987"/>
-            <a:ext cx="10944225" cy="1140090"/>
+            <a:ext cx="10944225" cy="2724266"/>
           </a:xfrm>
         </p:spPr>
         <p:txBody>
@@ -8794,7 +8726,21 @@
             </a:r>
             <a:r>
               <a:rPr lang="ko-KR" altLang="en-US" sz="4400" dirty="0"/>
-              <a:t>분석 단계별 의사결정을 위한 수학</a:t>
+              <a:t>분석 단계별 </a:t>
+            </a:r>
+            <a:br>
+              <a:rPr lang="en-US" altLang="ko-KR" sz="4400" dirty="0"/>
+            </a:br>
+            <a:r>
+              <a:rPr lang="ko-KR" altLang="en-US" sz="4400" dirty="0"/>
+              <a:t>의사결정을 위한 </a:t>
+            </a:r>
+            <a:br>
+              <a:rPr lang="en-US" altLang="ko-KR" sz="4400" dirty="0"/>
+            </a:br>
+            <a:r>
+              <a:rPr lang="ko-KR" altLang="en-US" sz="4400" dirty="0"/>
+              <a:t>수학</a:t>
             </a:r>
             <a:r>
               <a:rPr lang="en-US" altLang="ko-KR" sz="4400" dirty="0"/>
@@ -8802,7 +8748,14 @@
             </a:r>
             <a:r>
               <a:rPr lang="ko-KR" altLang="en-US" sz="4400" dirty="0"/>
-              <a:t>통계적 언어를 이해하기</a:t>
+              <a:t>통계적 언어를 </a:t>
+            </a:r>
+            <a:br>
+              <a:rPr lang="en-US" altLang="ko-KR" sz="4400" dirty="0"/>
+            </a:br>
+            <a:r>
+              <a:rPr lang="ko-KR" altLang="en-US" sz="4400" dirty="0"/>
+              <a:t>이해하기</a:t>
             </a:r>
             <a:endParaRPr lang="ko-KR" altLang="en-US" sz="4400" dirty="0">
               <a:solidFill>
@@ -8841,10 +8794,10 @@
       </p:sp>
       <p:pic>
         <p:nvPicPr>
-          <p:cNvPr id="2" name="그림 1">
+          <p:cNvPr id="4" name="그림 3">
             <a:extLst>
               <a:ext uri="{FF2B5EF4-FFF2-40B4-BE49-F238E27FC236}">
-                <a16:creationId xmlns:a16="http://schemas.microsoft.com/office/drawing/2014/main" id="{E45B730C-4E1A-4F00-8E9F-6B3938DF0082}"/>
+                <a16:creationId xmlns:a16="http://schemas.microsoft.com/office/drawing/2014/main" id="{C5547C04-F8EB-43D4-8168-8F32406DB805}"/>
               </a:ext>
             </a:extLst>
           </p:cNvPr>
@@ -8861,8 +8814,8 @@
         </p:blipFill>
         <p:spPr>
           <a:xfrm>
-            <a:off x="1412875" y="2173751"/>
-            <a:ext cx="9334500" cy="4114800"/>
+            <a:off x="6944221" y="0"/>
+            <a:ext cx="4213717" cy="6840538"/>
           </a:xfrm>
           <a:prstGeom prst="rect">
             <a:avLst/>
@@ -8872,7 +8825,7 @@
     </p:spTree>
     <p:extLst>
       <p:ext uri="{BB962C8B-B14F-4D97-AF65-F5344CB8AC3E}">
-        <p14:creationId xmlns:p14="http://schemas.microsoft.com/office/powerpoint/2010/main" val="2634120235"/>
+        <p14:creationId xmlns:p14="http://schemas.microsoft.com/office/powerpoint/2010/main" val="3929824406"/>
       </p:ext>
     </p:extLst>
   </p:cSld>
@@ -9119,10 +9072,10 @@
       </p:sp>
       <p:pic>
         <p:nvPicPr>
-          <p:cNvPr id="4" name="그림 3">
+          <p:cNvPr id="2" name="그림 1">
             <a:extLst>
               <a:ext uri="{FF2B5EF4-FFF2-40B4-BE49-F238E27FC236}">
-                <a16:creationId xmlns:a16="http://schemas.microsoft.com/office/drawing/2014/main" id="{40AE04BC-2449-4188-8C68-C2605286C1DF}"/>
+                <a16:creationId xmlns:a16="http://schemas.microsoft.com/office/drawing/2014/main" id="{62892CB5-7BD4-4AB0-BB04-999A8DF864A4}"/>
               </a:ext>
             </a:extLst>
           </p:cNvPr>
@@ -9139,8 +9092,8 @@
         </p:blipFill>
         <p:spPr>
           <a:xfrm>
-            <a:off x="5864101" y="1282140"/>
-            <a:ext cx="6296149" cy="5562353"/>
+            <a:off x="1165225" y="2972594"/>
+            <a:ext cx="9829800" cy="895350"/>
           </a:xfrm>
           <a:prstGeom prst="rect">
             <a:avLst/>
@@ -9150,7 +9103,7 @@
     </p:spTree>
     <p:extLst>
       <p:ext uri="{BB962C8B-B14F-4D97-AF65-F5344CB8AC3E}">
-        <p14:creationId xmlns:p14="http://schemas.microsoft.com/office/powerpoint/2010/main" val="3204226768"/>
+        <p14:creationId xmlns:p14="http://schemas.microsoft.com/office/powerpoint/2010/main" val="2913105408"/>
       </p:ext>
     </p:extLst>
   </p:cSld>
@@ -9265,7 +9218,7 @@
           <p:cNvPr id="2" name="그림 1">
             <a:extLst>
               <a:ext uri="{FF2B5EF4-FFF2-40B4-BE49-F238E27FC236}">
-                <a16:creationId xmlns:a16="http://schemas.microsoft.com/office/drawing/2014/main" id="{F03C1694-1749-4D23-9770-558966605681}"/>
+                <a16:creationId xmlns:a16="http://schemas.microsoft.com/office/drawing/2014/main" id="{DCA6C211-CFB3-47DB-8EF8-D1401C2CC0F0}"/>
               </a:ext>
             </a:extLst>
           </p:cNvPr>
@@ -9282,8 +9235,8 @@
         </p:blipFill>
         <p:spPr>
           <a:xfrm>
-            <a:off x="8655050" y="1364580"/>
-            <a:ext cx="3505200" cy="5400675"/>
+            <a:off x="1479550" y="2121056"/>
+            <a:ext cx="9201150" cy="4686300"/>
           </a:xfrm>
           <a:prstGeom prst="rect">
             <a:avLst/>
@@ -9293,7 +9246,7 @@
     </p:spTree>
     <p:extLst>
       <p:ext uri="{BB962C8B-B14F-4D97-AF65-F5344CB8AC3E}">
-        <p14:creationId xmlns:p14="http://schemas.microsoft.com/office/powerpoint/2010/main" val="2694990580"/>
+        <p14:creationId xmlns:p14="http://schemas.microsoft.com/office/powerpoint/2010/main" val="1016602117"/>
       </p:ext>
     </p:extLst>
   </p:cSld>
@@ -9408,7 +9361,7 @@
           <p:cNvPr id="4" name="그림 3">
             <a:extLst>
               <a:ext uri="{FF2B5EF4-FFF2-40B4-BE49-F238E27FC236}">
-                <a16:creationId xmlns:a16="http://schemas.microsoft.com/office/drawing/2014/main" id="{0184DEE5-CC23-405D-8A38-4AD32CBF3AAC}"/>
+                <a16:creationId xmlns:a16="http://schemas.microsoft.com/office/drawing/2014/main" id="{8ACECD2E-4271-4567-8B41-5B121CBFAA6E}"/>
               </a:ext>
             </a:extLst>
           </p:cNvPr>
@@ -9425,8 +9378,8 @@
         </p:blipFill>
         <p:spPr>
           <a:xfrm>
-            <a:off x="1422400" y="2484165"/>
-            <a:ext cx="9315450" cy="3409950"/>
+            <a:off x="2341562" y="2268141"/>
+            <a:ext cx="7477125" cy="3914775"/>
           </a:xfrm>
           <a:prstGeom prst="rect">
             <a:avLst/>
@@ -9436,7 +9389,7 @@
     </p:spTree>
     <p:extLst>
       <p:ext uri="{BB962C8B-B14F-4D97-AF65-F5344CB8AC3E}">
-        <p14:creationId xmlns:p14="http://schemas.microsoft.com/office/powerpoint/2010/main" val="2402276858"/>
+        <p14:creationId xmlns:p14="http://schemas.microsoft.com/office/powerpoint/2010/main" val="161235060"/>
       </p:ext>
     </p:extLst>
   </p:cSld>
@@ -9551,7 +9504,7 @@
           <p:cNvPr id="2" name="그림 1">
             <a:extLst>
               <a:ext uri="{FF2B5EF4-FFF2-40B4-BE49-F238E27FC236}">
-                <a16:creationId xmlns:a16="http://schemas.microsoft.com/office/drawing/2014/main" id="{32B9DDE7-890F-4B3C-8A2A-7F70937C90F3}"/>
+                <a16:creationId xmlns:a16="http://schemas.microsoft.com/office/drawing/2014/main" id="{E45B730C-4E1A-4F00-8E9F-6B3938DF0082}"/>
               </a:ext>
             </a:extLst>
           </p:cNvPr>
@@ -9561,15 +9514,15 @@
           <p:nvPr/>
         </p:nvPicPr>
         <p:blipFill>
-          <a:blip r:embed="rId3"/>
+          <a:blip r:embed="rId2"/>
           <a:stretch>
             <a:fillRect/>
           </a:stretch>
         </p:blipFill>
         <p:spPr>
           <a:xfrm>
-            <a:off x="1403350" y="2074850"/>
-            <a:ext cx="9353550" cy="4448175"/>
+            <a:off x="1412875" y="2173751"/>
+            <a:ext cx="9334500" cy="4114800"/>
           </a:xfrm>
           <a:prstGeom prst="rect">
             <a:avLst/>
@@ -9579,7 +9532,7 @@
     </p:spTree>
     <p:extLst>
       <p:ext uri="{BB962C8B-B14F-4D97-AF65-F5344CB8AC3E}">
-        <p14:creationId xmlns:p14="http://schemas.microsoft.com/office/powerpoint/2010/main" val="1152376503"/>
+        <p14:creationId xmlns:p14="http://schemas.microsoft.com/office/powerpoint/2010/main" val="2634120235"/>
       </p:ext>
     </p:extLst>
   </p:cSld>
@@ -9694,6 +9647,578 @@
           <p:cNvPr id="4" name="그림 3">
             <a:extLst>
               <a:ext uri="{FF2B5EF4-FFF2-40B4-BE49-F238E27FC236}">
+                <a16:creationId xmlns:a16="http://schemas.microsoft.com/office/drawing/2014/main" id="{40AE04BC-2449-4188-8C68-C2605286C1DF}"/>
+              </a:ext>
+            </a:extLst>
+          </p:cNvPr>
+          <p:cNvPicPr>
+            <a:picLocks noChangeAspect="1"/>
+          </p:cNvPicPr>
+          <p:nvPr/>
+        </p:nvPicPr>
+        <p:blipFill>
+          <a:blip r:embed="rId2"/>
+          <a:stretch>
+            <a:fillRect/>
+          </a:stretch>
+        </p:blipFill>
+        <p:spPr>
+          <a:xfrm>
+            <a:off x="5864101" y="1282140"/>
+            <a:ext cx="6296149" cy="5562353"/>
+          </a:xfrm>
+          <a:prstGeom prst="rect">
+            <a:avLst/>
+          </a:prstGeom>
+        </p:spPr>
+      </p:pic>
+    </p:spTree>
+    <p:extLst>
+      <p:ext uri="{BB962C8B-B14F-4D97-AF65-F5344CB8AC3E}">
+        <p14:creationId xmlns:p14="http://schemas.microsoft.com/office/powerpoint/2010/main" val="3204226768"/>
+      </p:ext>
+    </p:extLst>
+  </p:cSld>
+  <p:clrMapOvr>
+    <a:masterClrMapping/>
+  </p:clrMapOvr>
+</p:sld>
+</file>
+
+<file path=ppt/slides/slide45.xml><?xml version="1.0" encoding="utf-8"?>
+<p:sld xmlns:a="http://schemas.openxmlformats.org/drawingml/2006/main" xmlns:r="http://schemas.openxmlformats.org/officeDocument/2006/relationships" xmlns:p="http://schemas.openxmlformats.org/presentationml/2006/main">
+  <p:cSld>
+    <p:spTree>
+      <p:nvGrpSpPr>
+        <p:cNvPr id="1" name=""/>
+        <p:cNvGrpSpPr/>
+        <p:nvPr/>
+      </p:nvGrpSpPr>
+      <p:grpSpPr>
+        <a:xfrm>
+          <a:off x="0" y="0"/>
+          <a:ext cx="0" cy="0"/>
+          <a:chOff x="0" y="0"/>
+          <a:chExt cx="0" cy="0"/>
+        </a:xfrm>
+      </p:grpSpPr>
+      <p:sp>
+        <p:nvSpPr>
+          <p:cNvPr id="5" name="제목 4"/>
+          <p:cNvSpPr>
+            <a:spLocks noGrp="1"/>
+          </p:cNvSpPr>
+          <p:nvPr>
+            <p:ph type="title"/>
+          </p:nvPr>
+        </p:nvSpPr>
+        <p:spPr>
+          <a:xfrm>
+            <a:off x="608016" y="551987"/>
+            <a:ext cx="10944225" cy="1140090"/>
+          </a:xfrm>
+        </p:spPr>
+        <p:txBody>
+          <a:bodyPr>
+            <a:noAutofit/>
+          </a:bodyPr>
+          <a:lstStyle/>
+          <a:p>
+            <a:pPr algn="l"/>
+            <a:r>
+              <a:rPr lang="en-US" altLang="ko-KR" sz="4400" dirty="0">
+                <a:solidFill>
+                  <a:schemeClr val="tx1">
+                    <a:lumMod val="75000"/>
+                    <a:lumOff val="25000"/>
+                  </a:schemeClr>
+                </a:solidFill>
+                <a:latin typeface="Noto Sans CJK KR Black" pitchFamily="34" charset="-127"/>
+                <a:ea typeface="Noto Sans CJK KR Black" pitchFamily="34" charset="-127"/>
+              </a:rPr>
+              <a:t>3. </a:t>
+            </a:r>
+            <a:r>
+              <a:rPr lang="ko-KR" altLang="en-US" sz="4400" dirty="0"/>
+              <a:t>분석 단계별 의사결정을 위한 수학</a:t>
+            </a:r>
+            <a:r>
+              <a:rPr lang="en-US" altLang="ko-KR" sz="4400" dirty="0"/>
+              <a:t>/</a:t>
+            </a:r>
+            <a:r>
+              <a:rPr lang="ko-KR" altLang="en-US" sz="4400" dirty="0"/>
+              <a:t>통계적 언어를 이해하기</a:t>
+            </a:r>
+            <a:endParaRPr lang="ko-KR" altLang="en-US" sz="4400" dirty="0">
+              <a:solidFill>
+                <a:schemeClr val="tx1">
+                  <a:lumMod val="75000"/>
+                  <a:lumOff val="25000"/>
+                </a:schemeClr>
+              </a:solidFill>
+            </a:endParaRPr>
+          </a:p>
+        </p:txBody>
+      </p:sp>
+      <p:sp>
+        <p:nvSpPr>
+          <p:cNvPr id="3" name="슬라이드 번호 개체 틀 2"/>
+          <p:cNvSpPr>
+            <a:spLocks noGrp="1"/>
+          </p:cNvSpPr>
+          <p:nvPr>
+            <p:ph type="sldNum" sz="quarter" idx="12"/>
+          </p:nvPr>
+        </p:nvSpPr>
+        <p:spPr/>
+        <p:txBody>
+          <a:bodyPr/>
+          <a:lstStyle/>
+          <a:p>
+            <a:fld id="{6DDAE2C3-1A0B-474A-8CE8-AE55B8D9D4B1}" type="slidenum">
+              <a:rPr lang="ko-KR" altLang="en-US" smtClean="0"/>
+              <a:pPr/>
+              <a:t>45</a:t>
+            </a:fld>
+            <a:endParaRPr lang="ko-KR" altLang="en-US" dirty="0"/>
+          </a:p>
+        </p:txBody>
+      </p:sp>
+      <p:pic>
+        <p:nvPicPr>
+          <p:cNvPr id="2" name="그림 1">
+            <a:extLst>
+              <a:ext uri="{FF2B5EF4-FFF2-40B4-BE49-F238E27FC236}">
+                <a16:creationId xmlns:a16="http://schemas.microsoft.com/office/drawing/2014/main" id="{F03C1694-1749-4D23-9770-558966605681}"/>
+              </a:ext>
+            </a:extLst>
+          </p:cNvPr>
+          <p:cNvPicPr>
+            <a:picLocks noChangeAspect="1"/>
+          </p:cNvPicPr>
+          <p:nvPr/>
+        </p:nvPicPr>
+        <p:blipFill>
+          <a:blip r:embed="rId2"/>
+          <a:stretch>
+            <a:fillRect/>
+          </a:stretch>
+        </p:blipFill>
+        <p:spPr>
+          <a:xfrm>
+            <a:off x="8655050" y="1364580"/>
+            <a:ext cx="3505200" cy="5400675"/>
+          </a:xfrm>
+          <a:prstGeom prst="rect">
+            <a:avLst/>
+          </a:prstGeom>
+        </p:spPr>
+      </p:pic>
+    </p:spTree>
+    <p:extLst>
+      <p:ext uri="{BB962C8B-B14F-4D97-AF65-F5344CB8AC3E}">
+        <p14:creationId xmlns:p14="http://schemas.microsoft.com/office/powerpoint/2010/main" val="2694990580"/>
+      </p:ext>
+    </p:extLst>
+  </p:cSld>
+  <p:clrMapOvr>
+    <a:masterClrMapping/>
+  </p:clrMapOvr>
+</p:sld>
+</file>
+
+<file path=ppt/slides/slide46.xml><?xml version="1.0" encoding="utf-8"?>
+<p:sld xmlns:a="http://schemas.openxmlformats.org/drawingml/2006/main" xmlns:r="http://schemas.openxmlformats.org/officeDocument/2006/relationships" xmlns:p="http://schemas.openxmlformats.org/presentationml/2006/main">
+  <p:cSld>
+    <p:spTree>
+      <p:nvGrpSpPr>
+        <p:cNvPr id="1" name=""/>
+        <p:cNvGrpSpPr/>
+        <p:nvPr/>
+      </p:nvGrpSpPr>
+      <p:grpSpPr>
+        <a:xfrm>
+          <a:off x="0" y="0"/>
+          <a:ext cx="0" cy="0"/>
+          <a:chOff x="0" y="0"/>
+          <a:chExt cx="0" cy="0"/>
+        </a:xfrm>
+      </p:grpSpPr>
+      <p:sp>
+        <p:nvSpPr>
+          <p:cNvPr id="5" name="제목 4"/>
+          <p:cNvSpPr>
+            <a:spLocks noGrp="1"/>
+          </p:cNvSpPr>
+          <p:nvPr>
+            <p:ph type="title"/>
+          </p:nvPr>
+        </p:nvSpPr>
+        <p:spPr>
+          <a:xfrm>
+            <a:off x="608016" y="551987"/>
+            <a:ext cx="10944225" cy="1140090"/>
+          </a:xfrm>
+        </p:spPr>
+        <p:txBody>
+          <a:bodyPr>
+            <a:noAutofit/>
+          </a:bodyPr>
+          <a:lstStyle/>
+          <a:p>
+            <a:pPr algn="l"/>
+            <a:r>
+              <a:rPr lang="en-US" altLang="ko-KR" sz="4400" dirty="0">
+                <a:solidFill>
+                  <a:schemeClr val="tx1">
+                    <a:lumMod val="75000"/>
+                    <a:lumOff val="25000"/>
+                  </a:schemeClr>
+                </a:solidFill>
+                <a:latin typeface="Noto Sans CJK KR Black" pitchFamily="34" charset="-127"/>
+                <a:ea typeface="Noto Sans CJK KR Black" pitchFamily="34" charset="-127"/>
+              </a:rPr>
+              <a:t>3. </a:t>
+            </a:r>
+            <a:r>
+              <a:rPr lang="ko-KR" altLang="en-US" sz="4400" dirty="0"/>
+              <a:t>분석 단계별 의사결정을 위한 수학</a:t>
+            </a:r>
+            <a:r>
+              <a:rPr lang="en-US" altLang="ko-KR" sz="4400" dirty="0"/>
+              <a:t>/</a:t>
+            </a:r>
+            <a:r>
+              <a:rPr lang="ko-KR" altLang="en-US" sz="4400" dirty="0"/>
+              <a:t>통계적 언어를 이해하기</a:t>
+            </a:r>
+            <a:endParaRPr lang="ko-KR" altLang="en-US" sz="4400" dirty="0">
+              <a:solidFill>
+                <a:schemeClr val="tx1">
+                  <a:lumMod val="75000"/>
+                  <a:lumOff val="25000"/>
+                </a:schemeClr>
+              </a:solidFill>
+            </a:endParaRPr>
+          </a:p>
+        </p:txBody>
+      </p:sp>
+      <p:sp>
+        <p:nvSpPr>
+          <p:cNvPr id="3" name="슬라이드 번호 개체 틀 2"/>
+          <p:cNvSpPr>
+            <a:spLocks noGrp="1"/>
+          </p:cNvSpPr>
+          <p:nvPr>
+            <p:ph type="sldNum" sz="quarter" idx="12"/>
+          </p:nvPr>
+        </p:nvSpPr>
+        <p:spPr/>
+        <p:txBody>
+          <a:bodyPr/>
+          <a:lstStyle/>
+          <a:p>
+            <a:fld id="{6DDAE2C3-1A0B-474A-8CE8-AE55B8D9D4B1}" type="slidenum">
+              <a:rPr lang="ko-KR" altLang="en-US" smtClean="0"/>
+              <a:pPr/>
+              <a:t>46</a:t>
+            </a:fld>
+            <a:endParaRPr lang="ko-KR" altLang="en-US" dirty="0"/>
+          </a:p>
+        </p:txBody>
+      </p:sp>
+      <p:pic>
+        <p:nvPicPr>
+          <p:cNvPr id="4" name="그림 3">
+            <a:extLst>
+              <a:ext uri="{FF2B5EF4-FFF2-40B4-BE49-F238E27FC236}">
+                <a16:creationId xmlns:a16="http://schemas.microsoft.com/office/drawing/2014/main" id="{0184DEE5-CC23-405D-8A38-4AD32CBF3AAC}"/>
+              </a:ext>
+            </a:extLst>
+          </p:cNvPr>
+          <p:cNvPicPr>
+            <a:picLocks noChangeAspect="1"/>
+          </p:cNvPicPr>
+          <p:nvPr/>
+        </p:nvPicPr>
+        <p:blipFill>
+          <a:blip r:embed="rId2"/>
+          <a:stretch>
+            <a:fillRect/>
+          </a:stretch>
+        </p:blipFill>
+        <p:spPr>
+          <a:xfrm>
+            <a:off x="1422400" y="2484165"/>
+            <a:ext cx="9315450" cy="3409950"/>
+          </a:xfrm>
+          <a:prstGeom prst="rect">
+            <a:avLst/>
+          </a:prstGeom>
+        </p:spPr>
+      </p:pic>
+    </p:spTree>
+    <p:extLst>
+      <p:ext uri="{BB962C8B-B14F-4D97-AF65-F5344CB8AC3E}">
+        <p14:creationId xmlns:p14="http://schemas.microsoft.com/office/powerpoint/2010/main" val="2402276858"/>
+      </p:ext>
+    </p:extLst>
+  </p:cSld>
+  <p:clrMapOvr>
+    <a:masterClrMapping/>
+  </p:clrMapOvr>
+</p:sld>
+</file>
+
+<file path=ppt/slides/slide47.xml><?xml version="1.0" encoding="utf-8"?>
+<p:sld xmlns:a="http://schemas.openxmlformats.org/drawingml/2006/main" xmlns:r="http://schemas.openxmlformats.org/officeDocument/2006/relationships" xmlns:p="http://schemas.openxmlformats.org/presentationml/2006/main">
+  <p:cSld>
+    <p:spTree>
+      <p:nvGrpSpPr>
+        <p:cNvPr id="1" name=""/>
+        <p:cNvGrpSpPr/>
+        <p:nvPr/>
+      </p:nvGrpSpPr>
+      <p:grpSpPr>
+        <a:xfrm>
+          <a:off x="0" y="0"/>
+          <a:ext cx="0" cy="0"/>
+          <a:chOff x="0" y="0"/>
+          <a:chExt cx="0" cy="0"/>
+        </a:xfrm>
+      </p:grpSpPr>
+      <p:sp>
+        <p:nvSpPr>
+          <p:cNvPr id="5" name="제목 4"/>
+          <p:cNvSpPr>
+            <a:spLocks noGrp="1"/>
+          </p:cNvSpPr>
+          <p:nvPr>
+            <p:ph type="title"/>
+          </p:nvPr>
+        </p:nvSpPr>
+        <p:spPr>
+          <a:xfrm>
+            <a:off x="608016" y="551987"/>
+            <a:ext cx="10944225" cy="1140090"/>
+          </a:xfrm>
+        </p:spPr>
+        <p:txBody>
+          <a:bodyPr>
+            <a:noAutofit/>
+          </a:bodyPr>
+          <a:lstStyle/>
+          <a:p>
+            <a:pPr algn="l"/>
+            <a:r>
+              <a:rPr lang="en-US" altLang="ko-KR" sz="4400" dirty="0">
+                <a:solidFill>
+                  <a:schemeClr val="tx1">
+                    <a:lumMod val="75000"/>
+                    <a:lumOff val="25000"/>
+                  </a:schemeClr>
+                </a:solidFill>
+                <a:latin typeface="Noto Sans CJK KR Black" pitchFamily="34" charset="-127"/>
+                <a:ea typeface="Noto Sans CJK KR Black" pitchFamily="34" charset="-127"/>
+              </a:rPr>
+              <a:t>3. </a:t>
+            </a:r>
+            <a:r>
+              <a:rPr lang="ko-KR" altLang="en-US" sz="4400" dirty="0"/>
+              <a:t>분석 단계별 의사결정을 위한 수학</a:t>
+            </a:r>
+            <a:r>
+              <a:rPr lang="en-US" altLang="ko-KR" sz="4400" dirty="0"/>
+              <a:t>/</a:t>
+            </a:r>
+            <a:r>
+              <a:rPr lang="ko-KR" altLang="en-US" sz="4400" dirty="0"/>
+              <a:t>통계적 언어를 이해하기</a:t>
+            </a:r>
+            <a:endParaRPr lang="ko-KR" altLang="en-US" sz="4400" dirty="0">
+              <a:solidFill>
+                <a:schemeClr val="tx1">
+                  <a:lumMod val="75000"/>
+                  <a:lumOff val="25000"/>
+                </a:schemeClr>
+              </a:solidFill>
+            </a:endParaRPr>
+          </a:p>
+        </p:txBody>
+      </p:sp>
+      <p:sp>
+        <p:nvSpPr>
+          <p:cNvPr id="3" name="슬라이드 번호 개체 틀 2"/>
+          <p:cNvSpPr>
+            <a:spLocks noGrp="1"/>
+          </p:cNvSpPr>
+          <p:nvPr>
+            <p:ph type="sldNum" sz="quarter" idx="12"/>
+          </p:nvPr>
+        </p:nvSpPr>
+        <p:spPr/>
+        <p:txBody>
+          <a:bodyPr/>
+          <a:lstStyle/>
+          <a:p>
+            <a:fld id="{6DDAE2C3-1A0B-474A-8CE8-AE55B8D9D4B1}" type="slidenum">
+              <a:rPr lang="ko-KR" altLang="en-US" smtClean="0"/>
+              <a:pPr/>
+              <a:t>47</a:t>
+            </a:fld>
+            <a:endParaRPr lang="ko-KR" altLang="en-US" dirty="0"/>
+          </a:p>
+        </p:txBody>
+      </p:sp>
+      <p:pic>
+        <p:nvPicPr>
+          <p:cNvPr id="2" name="그림 1">
+            <a:extLst>
+              <a:ext uri="{FF2B5EF4-FFF2-40B4-BE49-F238E27FC236}">
+                <a16:creationId xmlns:a16="http://schemas.microsoft.com/office/drawing/2014/main" id="{32B9DDE7-890F-4B3C-8A2A-7F70937C90F3}"/>
+              </a:ext>
+            </a:extLst>
+          </p:cNvPr>
+          <p:cNvPicPr>
+            <a:picLocks noChangeAspect="1"/>
+          </p:cNvPicPr>
+          <p:nvPr/>
+        </p:nvPicPr>
+        <p:blipFill>
+          <a:blip r:embed="rId3"/>
+          <a:stretch>
+            <a:fillRect/>
+          </a:stretch>
+        </p:blipFill>
+        <p:spPr>
+          <a:xfrm>
+            <a:off x="1403350" y="2074850"/>
+            <a:ext cx="9353550" cy="4448175"/>
+          </a:xfrm>
+          <a:prstGeom prst="rect">
+            <a:avLst/>
+          </a:prstGeom>
+        </p:spPr>
+      </p:pic>
+    </p:spTree>
+    <p:extLst>
+      <p:ext uri="{BB962C8B-B14F-4D97-AF65-F5344CB8AC3E}">
+        <p14:creationId xmlns:p14="http://schemas.microsoft.com/office/powerpoint/2010/main" val="1152376503"/>
+      </p:ext>
+    </p:extLst>
+  </p:cSld>
+  <p:clrMapOvr>
+    <a:masterClrMapping/>
+  </p:clrMapOvr>
+</p:sld>
+</file>
+
+<file path=ppt/slides/slide48.xml><?xml version="1.0" encoding="utf-8"?>
+<p:sld xmlns:a="http://schemas.openxmlformats.org/drawingml/2006/main" xmlns:r="http://schemas.openxmlformats.org/officeDocument/2006/relationships" xmlns:p="http://schemas.openxmlformats.org/presentationml/2006/main">
+  <p:cSld>
+    <p:spTree>
+      <p:nvGrpSpPr>
+        <p:cNvPr id="1" name=""/>
+        <p:cNvGrpSpPr/>
+        <p:nvPr/>
+      </p:nvGrpSpPr>
+      <p:grpSpPr>
+        <a:xfrm>
+          <a:off x="0" y="0"/>
+          <a:ext cx="0" cy="0"/>
+          <a:chOff x="0" y="0"/>
+          <a:chExt cx="0" cy="0"/>
+        </a:xfrm>
+      </p:grpSpPr>
+      <p:sp>
+        <p:nvSpPr>
+          <p:cNvPr id="5" name="제목 4"/>
+          <p:cNvSpPr>
+            <a:spLocks noGrp="1"/>
+          </p:cNvSpPr>
+          <p:nvPr>
+            <p:ph type="title"/>
+          </p:nvPr>
+        </p:nvSpPr>
+        <p:spPr>
+          <a:xfrm>
+            <a:off x="608016" y="551987"/>
+            <a:ext cx="10944225" cy="1140090"/>
+          </a:xfrm>
+        </p:spPr>
+        <p:txBody>
+          <a:bodyPr>
+            <a:noAutofit/>
+          </a:bodyPr>
+          <a:lstStyle/>
+          <a:p>
+            <a:pPr algn="l"/>
+            <a:r>
+              <a:rPr lang="en-US" altLang="ko-KR" sz="4400" dirty="0">
+                <a:solidFill>
+                  <a:schemeClr val="tx1">
+                    <a:lumMod val="75000"/>
+                    <a:lumOff val="25000"/>
+                  </a:schemeClr>
+                </a:solidFill>
+                <a:latin typeface="Noto Sans CJK KR Black" pitchFamily="34" charset="-127"/>
+                <a:ea typeface="Noto Sans CJK KR Black" pitchFamily="34" charset="-127"/>
+              </a:rPr>
+              <a:t>3. </a:t>
+            </a:r>
+            <a:r>
+              <a:rPr lang="ko-KR" altLang="en-US" sz="4400" dirty="0"/>
+              <a:t>분석 단계별 의사결정을 위한 수학</a:t>
+            </a:r>
+            <a:r>
+              <a:rPr lang="en-US" altLang="ko-KR" sz="4400" dirty="0"/>
+              <a:t>/</a:t>
+            </a:r>
+            <a:r>
+              <a:rPr lang="ko-KR" altLang="en-US" sz="4400" dirty="0"/>
+              <a:t>통계적 언어를 이해하기</a:t>
+            </a:r>
+            <a:endParaRPr lang="ko-KR" altLang="en-US" sz="4400" dirty="0">
+              <a:solidFill>
+                <a:schemeClr val="tx1">
+                  <a:lumMod val="75000"/>
+                  <a:lumOff val="25000"/>
+                </a:schemeClr>
+              </a:solidFill>
+            </a:endParaRPr>
+          </a:p>
+        </p:txBody>
+      </p:sp>
+      <p:sp>
+        <p:nvSpPr>
+          <p:cNvPr id="3" name="슬라이드 번호 개체 틀 2"/>
+          <p:cNvSpPr>
+            <a:spLocks noGrp="1"/>
+          </p:cNvSpPr>
+          <p:nvPr>
+            <p:ph type="sldNum" sz="quarter" idx="12"/>
+          </p:nvPr>
+        </p:nvSpPr>
+        <p:spPr/>
+        <p:txBody>
+          <a:bodyPr/>
+          <a:lstStyle/>
+          <a:p>
+            <a:fld id="{6DDAE2C3-1A0B-474A-8CE8-AE55B8D9D4B1}" type="slidenum">
+              <a:rPr lang="ko-KR" altLang="en-US" smtClean="0"/>
+              <a:pPr/>
+              <a:t>48</a:t>
+            </a:fld>
+            <a:endParaRPr lang="ko-KR" altLang="en-US" dirty="0"/>
+          </a:p>
+        </p:txBody>
+      </p:sp>
+      <p:pic>
+        <p:nvPicPr>
+          <p:cNvPr id="4" name="그림 3">
+            <a:extLst>
+              <a:ext uri="{FF2B5EF4-FFF2-40B4-BE49-F238E27FC236}">
                 <a16:creationId xmlns:a16="http://schemas.microsoft.com/office/drawing/2014/main" id="{66C84BCF-81C5-416B-A142-FD114F65DFA4}"/>
               </a:ext>
             </a:extLst>
@@ -9732,7 +10257,7 @@
 </p:sld>
 </file>
 
-<file path=ppt/slides/slide45.xml><?xml version="1.0" encoding="utf-8"?>
+<file path=ppt/slides/slide49.xml><?xml version="1.0" encoding="utf-8"?>
 <p:sld xmlns:a="http://schemas.openxmlformats.org/drawingml/2006/main" xmlns:r="http://schemas.openxmlformats.org/officeDocument/2006/relationships" xmlns:p="http://schemas.openxmlformats.org/presentationml/2006/main">
   <p:cSld>
     <p:spTree>
@@ -10220,7 +10745,7 @@
             <a:fld id="{6DDAE2C3-1A0B-474A-8CE8-AE55B8D9D4B1}" type="slidenum">
               <a:rPr lang="ko-KR" altLang="en-US" smtClean="0"/>
               <a:pPr/>
-              <a:t>45</a:t>
+              <a:t>49</a:t>
             </a:fld>
             <a:endParaRPr lang="ko-KR" altLang="en-US" dirty="0"/>
           </a:p>
@@ -10239,7 +10764,149 @@
 </p:sld>
 </file>
 
-<file path=ppt/slides/slide46.xml><?xml version="1.0" encoding="utf-8"?>
+<file path=ppt/slides/slide5.xml><?xml version="1.0" encoding="utf-8"?>
+<p:sld xmlns:a="http://schemas.openxmlformats.org/drawingml/2006/main" xmlns:r="http://schemas.openxmlformats.org/officeDocument/2006/relationships" xmlns:p="http://schemas.openxmlformats.org/presentationml/2006/main">
+  <p:cSld>
+    <p:spTree>
+      <p:nvGrpSpPr>
+        <p:cNvPr id="1" name=""/>
+        <p:cNvGrpSpPr/>
+        <p:nvPr/>
+      </p:nvGrpSpPr>
+      <p:grpSpPr>
+        <a:xfrm>
+          <a:off x="0" y="0"/>
+          <a:ext cx="0" cy="0"/>
+          <a:chOff x="0" y="0"/>
+          <a:chExt cx="0" cy="0"/>
+        </a:xfrm>
+      </p:grpSpPr>
+      <p:sp>
+        <p:nvSpPr>
+          <p:cNvPr id="5" name="제목 4"/>
+          <p:cNvSpPr>
+            <a:spLocks noGrp="1"/>
+          </p:cNvSpPr>
+          <p:nvPr>
+            <p:ph type="title"/>
+          </p:nvPr>
+        </p:nvSpPr>
+        <p:spPr>
+          <a:xfrm>
+            <a:off x="608016" y="551987"/>
+            <a:ext cx="10944225" cy="1140090"/>
+          </a:xfrm>
+        </p:spPr>
+        <p:txBody>
+          <a:bodyPr>
+            <a:noAutofit/>
+          </a:bodyPr>
+          <a:lstStyle/>
+          <a:p>
+            <a:pPr algn="l"/>
+            <a:r>
+              <a:rPr lang="en-US" altLang="ko-KR" sz="4400" dirty="0">
+                <a:solidFill>
+                  <a:schemeClr val="tx1">
+                    <a:lumMod val="75000"/>
+                    <a:lumOff val="25000"/>
+                  </a:schemeClr>
+                </a:solidFill>
+                <a:latin typeface="Noto Sans CJK KR Black" pitchFamily="34" charset="-127"/>
+                <a:ea typeface="Noto Sans CJK KR Black" pitchFamily="34" charset="-127"/>
+              </a:rPr>
+              <a:t>1. </a:t>
+            </a:r>
+            <a:r>
+              <a:rPr lang="ko-KR" altLang="en-US" sz="4400" dirty="0"/>
+              <a:t>데이터 분석의 </a:t>
+            </a:r>
+            <a:br>
+              <a:rPr lang="en-US" altLang="ko-KR" sz="4400" dirty="0"/>
+            </a:br>
+            <a:r>
+              <a:rPr lang="ko-KR" altLang="en-US" sz="4400" dirty="0"/>
+              <a:t>단계별 목적 이해하기 </a:t>
+            </a:r>
+            <a:endParaRPr lang="ko-KR" altLang="en-US" sz="4400" dirty="0">
+              <a:solidFill>
+                <a:schemeClr val="tx1">
+                  <a:lumMod val="75000"/>
+                  <a:lumOff val="25000"/>
+                </a:schemeClr>
+              </a:solidFill>
+            </a:endParaRPr>
+          </a:p>
+        </p:txBody>
+      </p:sp>
+      <p:sp>
+        <p:nvSpPr>
+          <p:cNvPr id="3" name="슬라이드 번호 개체 틀 2"/>
+          <p:cNvSpPr>
+            <a:spLocks noGrp="1"/>
+          </p:cNvSpPr>
+          <p:nvPr>
+            <p:ph type="sldNum" sz="quarter" idx="12"/>
+          </p:nvPr>
+        </p:nvSpPr>
+        <p:spPr/>
+        <p:txBody>
+          <a:bodyPr/>
+          <a:lstStyle/>
+          <a:p>
+            <a:fld id="{6DDAE2C3-1A0B-474A-8CE8-AE55B8D9D4B1}" type="slidenum">
+              <a:rPr lang="ko-KR" altLang="en-US" smtClean="0"/>
+              <a:pPr/>
+              <a:t>5</a:t>
+            </a:fld>
+            <a:endParaRPr lang="ko-KR" altLang="en-US" dirty="0"/>
+          </a:p>
+        </p:txBody>
+      </p:sp>
+      <p:pic>
+        <p:nvPicPr>
+          <p:cNvPr id="6" name="그림 5">
+            <a:extLst>
+              <a:ext uri="{FF2B5EF4-FFF2-40B4-BE49-F238E27FC236}">
+                <a16:creationId xmlns:a16="http://schemas.microsoft.com/office/drawing/2014/main" id="{44F76C26-A305-490D-96BD-EEFFF44146BE}"/>
+              </a:ext>
+            </a:extLst>
+          </p:cNvPr>
+          <p:cNvPicPr>
+            <a:picLocks noChangeAspect="1"/>
+          </p:cNvPicPr>
+          <p:nvPr/>
+        </p:nvPicPr>
+        <p:blipFill>
+          <a:blip r:embed="rId2"/>
+          <a:stretch>
+            <a:fillRect/>
+          </a:stretch>
+        </p:blipFill>
+        <p:spPr>
+          <a:xfrm>
+            <a:off x="6413529" y="0"/>
+            <a:ext cx="5138705" cy="6840538"/>
+          </a:xfrm>
+          <a:prstGeom prst="rect">
+            <a:avLst/>
+          </a:prstGeom>
+        </p:spPr>
+      </p:pic>
+    </p:spTree>
+    <p:extLst>
+      <p:ext uri="{BB962C8B-B14F-4D97-AF65-F5344CB8AC3E}">
+        <p14:creationId xmlns:p14="http://schemas.microsoft.com/office/powerpoint/2010/main" val="149154168"/>
+      </p:ext>
+    </p:extLst>
+  </p:cSld>
+  <p:clrMapOvr>
+    <a:masterClrMapping/>
+  </p:clrMapOvr>
+</p:sld>
+</file>
+
+<file path=ppt/slides/slide50.xml><?xml version="1.0" encoding="utf-8"?>
 <p:sld xmlns:a="http://schemas.openxmlformats.org/drawingml/2006/main" xmlns:r="http://schemas.openxmlformats.org/officeDocument/2006/relationships" xmlns:p="http://schemas.openxmlformats.org/presentationml/2006/main">
   <p:cSld>
     <p:spTree>
@@ -10425,148 +11092,6 @@
 </p:sld>
 </file>
 
-<file path=ppt/slides/slide5.xml><?xml version="1.0" encoding="utf-8"?>
-<p:sld xmlns:a="http://schemas.openxmlformats.org/drawingml/2006/main" xmlns:r="http://schemas.openxmlformats.org/officeDocument/2006/relationships" xmlns:p="http://schemas.openxmlformats.org/presentationml/2006/main">
-  <p:cSld>
-    <p:spTree>
-      <p:nvGrpSpPr>
-        <p:cNvPr id="1" name=""/>
-        <p:cNvGrpSpPr/>
-        <p:nvPr/>
-      </p:nvGrpSpPr>
-      <p:grpSpPr>
-        <a:xfrm>
-          <a:off x="0" y="0"/>
-          <a:ext cx="0" cy="0"/>
-          <a:chOff x="0" y="0"/>
-          <a:chExt cx="0" cy="0"/>
-        </a:xfrm>
-      </p:grpSpPr>
-      <p:sp>
-        <p:nvSpPr>
-          <p:cNvPr id="5" name="제목 4"/>
-          <p:cNvSpPr>
-            <a:spLocks noGrp="1"/>
-          </p:cNvSpPr>
-          <p:nvPr>
-            <p:ph type="title"/>
-          </p:nvPr>
-        </p:nvSpPr>
-        <p:spPr>
-          <a:xfrm>
-            <a:off x="608016" y="551987"/>
-            <a:ext cx="10944225" cy="1140090"/>
-          </a:xfrm>
-        </p:spPr>
-        <p:txBody>
-          <a:bodyPr>
-            <a:noAutofit/>
-          </a:bodyPr>
-          <a:lstStyle/>
-          <a:p>
-            <a:pPr algn="l"/>
-            <a:r>
-              <a:rPr lang="en-US" altLang="ko-KR" sz="4400" dirty="0">
-                <a:solidFill>
-                  <a:schemeClr val="tx1">
-                    <a:lumMod val="75000"/>
-                    <a:lumOff val="25000"/>
-                  </a:schemeClr>
-                </a:solidFill>
-                <a:latin typeface="Noto Sans CJK KR Black" pitchFamily="34" charset="-127"/>
-                <a:ea typeface="Noto Sans CJK KR Black" pitchFamily="34" charset="-127"/>
-              </a:rPr>
-              <a:t>1. </a:t>
-            </a:r>
-            <a:r>
-              <a:rPr lang="ko-KR" altLang="en-US" sz="4400" dirty="0"/>
-              <a:t>데이터 분석의 </a:t>
-            </a:r>
-            <a:br>
-              <a:rPr lang="en-US" altLang="ko-KR" sz="4400" dirty="0"/>
-            </a:br>
-            <a:r>
-              <a:rPr lang="ko-KR" altLang="en-US" sz="4400" dirty="0"/>
-              <a:t>단계별 목적 이해하기 </a:t>
-            </a:r>
-            <a:endParaRPr lang="ko-KR" altLang="en-US" sz="4400" dirty="0">
-              <a:solidFill>
-                <a:schemeClr val="tx1">
-                  <a:lumMod val="75000"/>
-                  <a:lumOff val="25000"/>
-                </a:schemeClr>
-              </a:solidFill>
-            </a:endParaRPr>
-          </a:p>
-        </p:txBody>
-      </p:sp>
-      <p:sp>
-        <p:nvSpPr>
-          <p:cNvPr id="3" name="슬라이드 번호 개체 틀 2"/>
-          <p:cNvSpPr>
-            <a:spLocks noGrp="1"/>
-          </p:cNvSpPr>
-          <p:nvPr>
-            <p:ph type="sldNum" sz="quarter" idx="12"/>
-          </p:nvPr>
-        </p:nvSpPr>
-        <p:spPr/>
-        <p:txBody>
-          <a:bodyPr/>
-          <a:lstStyle/>
-          <a:p>
-            <a:fld id="{6DDAE2C3-1A0B-474A-8CE8-AE55B8D9D4B1}" type="slidenum">
-              <a:rPr lang="ko-KR" altLang="en-US" smtClean="0"/>
-              <a:pPr/>
-              <a:t>5</a:t>
-            </a:fld>
-            <a:endParaRPr lang="ko-KR" altLang="en-US" dirty="0"/>
-          </a:p>
-        </p:txBody>
-      </p:sp>
-      <p:pic>
-        <p:nvPicPr>
-          <p:cNvPr id="6" name="그림 5">
-            <a:extLst>
-              <a:ext uri="{FF2B5EF4-FFF2-40B4-BE49-F238E27FC236}">
-                <a16:creationId xmlns:a16="http://schemas.microsoft.com/office/drawing/2014/main" id="{44F76C26-A305-490D-96BD-EEFFF44146BE}"/>
-              </a:ext>
-            </a:extLst>
-          </p:cNvPr>
-          <p:cNvPicPr>
-            <a:picLocks noChangeAspect="1"/>
-          </p:cNvPicPr>
-          <p:nvPr/>
-        </p:nvPicPr>
-        <p:blipFill>
-          <a:blip r:embed="rId2"/>
-          <a:stretch>
-            <a:fillRect/>
-          </a:stretch>
-        </p:blipFill>
-        <p:spPr>
-          <a:xfrm>
-            <a:off x="6413529" y="0"/>
-            <a:ext cx="5138705" cy="6840538"/>
-          </a:xfrm>
-          <a:prstGeom prst="rect">
-            <a:avLst/>
-          </a:prstGeom>
-        </p:spPr>
-      </p:pic>
-    </p:spTree>
-    <p:extLst>
-      <p:ext uri="{BB962C8B-B14F-4D97-AF65-F5344CB8AC3E}">
-        <p14:creationId xmlns:p14="http://schemas.microsoft.com/office/powerpoint/2010/main" val="149154168"/>
-      </p:ext>
-    </p:extLst>
-  </p:cSld>
-  <p:clrMapOvr>
-    <a:masterClrMapping/>
-  </p:clrMapOvr>
-</p:sld>
-</file>
-
 <file path=ppt/slides/slide6.xml><?xml version="1.0" encoding="utf-8"?>
 <p:sld xmlns:a="http://schemas.openxmlformats.org/drawingml/2006/main" xmlns:r="http://schemas.openxmlformats.org/officeDocument/2006/relationships" xmlns:p="http://schemas.openxmlformats.org/presentationml/2006/main">
   <p:cSld>
@@ -10661,10 +11186,10 @@
       </p:sp>
       <p:pic>
         <p:nvPicPr>
-          <p:cNvPr id="2" name="그림 1">
+          <p:cNvPr id="4" name="그림 3">
             <a:extLst>
               <a:ext uri="{FF2B5EF4-FFF2-40B4-BE49-F238E27FC236}">
-                <a16:creationId xmlns:a16="http://schemas.microsoft.com/office/drawing/2014/main" id="{09E65D4E-8A8A-4FE3-BB71-C0D2ED32C3BA}"/>
+                <a16:creationId xmlns:a16="http://schemas.microsoft.com/office/drawing/2014/main" id="{0EFE788A-D3CB-4CD5-8F27-5C835E9C9422}"/>
               </a:ext>
             </a:extLst>
           </p:cNvPr>
@@ -10681,8 +11206,8 @@
         </p:blipFill>
         <p:spPr>
           <a:xfrm>
-            <a:off x="1870075" y="1672392"/>
-            <a:ext cx="8420100" cy="4857750"/>
+            <a:off x="1940125" y="1692077"/>
+            <a:ext cx="8280000" cy="5107290"/>
           </a:xfrm>
           <a:prstGeom prst="rect">
             <a:avLst/>
@@ -10799,7 +11324,7 @@
           <p:cNvPr id="2" name="그림 1">
             <a:extLst>
               <a:ext uri="{FF2B5EF4-FFF2-40B4-BE49-F238E27FC236}">
-                <a16:creationId xmlns:a16="http://schemas.microsoft.com/office/drawing/2014/main" id="{E7354458-F846-4CD8-BC08-10C7D095B003}"/>
+                <a16:creationId xmlns:a16="http://schemas.microsoft.com/office/drawing/2014/main" id="{09E65D4E-8A8A-4FE3-BB71-C0D2ED32C3BA}"/>
               </a:ext>
             </a:extLst>
           </p:cNvPr>
@@ -10816,8 +11341,8 @@
         </p:blipFill>
         <p:spPr>
           <a:xfrm>
-            <a:off x="1903412" y="1498043"/>
-            <a:ext cx="8353425" cy="5238750"/>
+            <a:off x="1870075" y="1672392"/>
+            <a:ext cx="8420100" cy="4857750"/>
           </a:xfrm>
           <a:prstGeom prst="rect">
             <a:avLst/>
@@ -10827,7 +11352,7 @@
     </p:spTree>
     <p:extLst>
       <p:ext uri="{BB962C8B-B14F-4D97-AF65-F5344CB8AC3E}">
-        <p14:creationId xmlns:p14="http://schemas.microsoft.com/office/powerpoint/2010/main" val="2451481531"/>
+        <p14:creationId xmlns:p14="http://schemas.microsoft.com/office/powerpoint/2010/main" val="1831514989"/>
       </p:ext>
     </p:extLst>
   </p:cSld>
@@ -10934,7 +11459,7 @@
           <p:cNvPr id="2" name="그림 1">
             <a:extLst>
               <a:ext uri="{FF2B5EF4-FFF2-40B4-BE49-F238E27FC236}">
-                <a16:creationId xmlns:a16="http://schemas.microsoft.com/office/drawing/2014/main" id="{5AD911A7-FFF9-4B02-9F73-F489738441CD}"/>
+                <a16:creationId xmlns:a16="http://schemas.microsoft.com/office/drawing/2014/main" id="{E7354458-F846-4CD8-BC08-10C7D095B003}"/>
               </a:ext>
             </a:extLst>
           </p:cNvPr>
@@ -10943,16 +11468,15 @@
           </p:cNvPicPr>
           <p:nvPr/>
         </p:nvPicPr>
-        <p:blipFill>
+        <p:blipFill rotWithShape="1">
           <a:blip r:embed="rId2"/>
-          <a:stretch>
-            <a:fillRect/>
-          </a:stretch>
+          <a:srcRect b="20697"/>
+          <a:stretch/>
         </p:blipFill>
         <p:spPr>
           <a:xfrm>
-            <a:off x="1421597" y="1404045"/>
-            <a:ext cx="9317056" cy="5436493"/>
+            <a:off x="1903412" y="1947715"/>
+            <a:ext cx="8353425" cy="4154474"/>
           </a:xfrm>
           <a:prstGeom prst="rect">
             <a:avLst/>
@@ -10962,7 +11486,7 @@
     </p:spTree>
     <p:extLst>
       <p:ext uri="{BB962C8B-B14F-4D97-AF65-F5344CB8AC3E}">
-        <p14:creationId xmlns:p14="http://schemas.microsoft.com/office/powerpoint/2010/main" val="3007005554"/>
+        <p14:creationId xmlns:p14="http://schemas.microsoft.com/office/powerpoint/2010/main" val="2451481531"/>
       </p:ext>
     </p:extLst>
   </p:cSld>
@@ -11069,7 +11593,7 @@
           <p:cNvPr id="2" name="그림 1">
             <a:extLst>
               <a:ext uri="{FF2B5EF4-FFF2-40B4-BE49-F238E27FC236}">
-                <a16:creationId xmlns:a16="http://schemas.microsoft.com/office/drawing/2014/main" id="{2B2210F4-E9A0-435C-9256-EBC02BAFC7F9}"/>
+                <a16:creationId xmlns:a16="http://schemas.microsoft.com/office/drawing/2014/main" id="{5AD911A7-FFF9-4B02-9F73-F489738441CD}"/>
               </a:ext>
             </a:extLst>
           </p:cNvPr>
@@ -11086,8 +11610,8 @@
         </p:blipFill>
         <p:spPr>
           <a:xfrm>
-            <a:off x="1117600" y="1692077"/>
-            <a:ext cx="9925050" cy="4724400"/>
+            <a:off x="1421597" y="1404045"/>
+            <a:ext cx="9317056" cy="5436493"/>
           </a:xfrm>
           <a:prstGeom prst="rect">
             <a:avLst/>
@@ -11097,7 +11621,7 @@
     </p:spTree>
     <p:extLst>
       <p:ext uri="{BB962C8B-B14F-4D97-AF65-F5344CB8AC3E}">
-        <p14:creationId xmlns:p14="http://schemas.microsoft.com/office/powerpoint/2010/main" val="3407741111"/>
+        <p14:creationId xmlns:p14="http://schemas.microsoft.com/office/powerpoint/2010/main" val="3007005554"/>
       </p:ext>
     </p:extLst>
   </p:cSld>
